--- a/SoftwareEngineering.pptx
+++ b/SoftwareEngineering.pptx
@@ -109,6 +109,11 @@
       </a:defRPr>
     </a:lvl9pPr>
   </p:defaultTextStyle>
+  <p:extLst>
+    <p:ext uri="{EFAFB233-063F-42B5-8137-9DF3F51BA10A}">
+      <p15:sldGuideLst xmlns:p15="http://schemas.microsoft.com/office/powerpoint/2012/main"/>
+    </p:ext>
+  </p:extLst>
 </p:presentation>
 </file>
 
@@ -993,17 +998,15 @@
 </file>
 
 <file path=ppt/diagrams/colors2.xml><?xml version="1.0" encoding="utf-8"?>
-<dgm:colorsDef xmlns:dgm="http://schemas.openxmlformats.org/drawingml/2006/diagram" xmlns:a="http://schemas.openxmlformats.org/drawingml/2006/main" uniqueId="urn:microsoft.com/office/officeart/2005/8/colors/accent6_5">
+<dgm:colorsDef xmlns:dgm="http://schemas.openxmlformats.org/drawingml/2006/diagram" xmlns:a="http://schemas.openxmlformats.org/drawingml/2006/main" uniqueId="urn:microsoft.com/office/officeart/2005/8/colors/colorful2">
   <dgm:title val=""/>
   <dgm:desc val=""/>
   <dgm:catLst>
-    <dgm:cat type="accent6" pri="11500"/>
+    <dgm:cat type="colorful" pri="10200"/>
   </dgm:catLst>
   <dgm:styleLbl name="node0">
-    <dgm:fillClrLst meth="cycle">
-      <a:schemeClr val="accent6">
-        <a:alpha val="80000"/>
-      </a:schemeClr>
+    <dgm:fillClrLst meth="repeat">
+      <a:schemeClr val="accent1"/>
     </dgm:fillClrLst>
     <dgm:linClrLst meth="repeat">
       <a:schemeClr val="lt1"/>
@@ -1013,36 +1016,37 @@
     <dgm:txFillClrLst/>
     <dgm:txEffectClrLst/>
   </dgm:styleLbl>
+  <dgm:styleLbl name="node1">
+    <dgm:fillClrLst>
+      <a:schemeClr val="accent2"/>
+      <a:schemeClr val="accent3"/>
+    </dgm:fillClrLst>
+    <dgm:linClrLst meth="repeat">
+      <a:schemeClr val="lt1"/>
+    </dgm:linClrLst>
+    <dgm:effectClrLst/>
+    <dgm:txLinClrLst/>
+    <dgm:txFillClrLst/>
+    <dgm:txEffectClrLst/>
+  </dgm:styleLbl>
   <dgm:styleLbl name="alignNode1">
     <dgm:fillClrLst>
-      <a:schemeClr val="accent6">
-        <a:alpha val="90000"/>
-      </a:schemeClr>
-      <a:schemeClr val="accent6">
-        <a:alpha val="50000"/>
-      </a:schemeClr>
+      <a:schemeClr val="accent2"/>
+      <a:schemeClr val="accent3"/>
     </dgm:fillClrLst>
     <dgm:linClrLst>
-      <a:schemeClr val="accent6">
-        <a:alpha val="90000"/>
-      </a:schemeClr>
-      <a:schemeClr val="accent6">
-        <a:alpha val="50000"/>
-      </a:schemeClr>
+      <a:schemeClr val="accent2"/>
+      <a:schemeClr val="accent3"/>
     </dgm:linClrLst>
     <dgm:effectClrLst/>
     <dgm:txLinClrLst/>
     <dgm:txFillClrLst/>
     <dgm:txEffectClrLst/>
   </dgm:styleLbl>
-  <dgm:styleLbl name="node1">
+  <dgm:styleLbl name="lnNode1">
     <dgm:fillClrLst>
-      <a:schemeClr val="accent6">
-        <a:alpha val="90000"/>
-      </a:schemeClr>
-      <a:schemeClr val="accent6">
-        <a:alpha val="50000"/>
-      </a:schemeClr>
+      <a:schemeClr val="accent2"/>
+      <a:schemeClr val="accent3"/>
     </dgm:fillClrLst>
     <dgm:linClrLst meth="repeat">
       <a:schemeClr val="lt1"/>
@@ -1052,13 +1056,12 @@
     <dgm:txFillClrLst/>
     <dgm:txEffectClrLst/>
   </dgm:styleLbl>
-  <dgm:styleLbl name="lnNode1">
+  <dgm:styleLbl name="vennNode1">
     <dgm:fillClrLst>
-      <a:schemeClr val="accent6">
-        <a:shade val="90000"/>
-      </a:schemeClr>
-      <a:schemeClr val="accent6">
-        <a:tint val="50000"/>
+      <a:schemeClr val="accent2">
+        <a:alpha val="50000"/>
+      </a:schemeClr>
+      <a:schemeClr val="accent3">
         <a:alpha val="50000"/>
       </a:schemeClr>
     </dgm:fillClrLst>
@@ -1070,15 +1073,9 @@
     <dgm:txFillClrLst/>
     <dgm:txEffectClrLst/>
   </dgm:styleLbl>
-  <dgm:styleLbl name="vennNode1">
+  <dgm:styleLbl name="node2">
     <dgm:fillClrLst>
-      <a:schemeClr val="accent6">
-        <a:shade val="80000"/>
-        <a:alpha val="50000"/>
-      </a:schemeClr>
-      <a:schemeClr val="accent6">
-        <a:alpha val="80000"/>
-      </a:schemeClr>
+      <a:schemeClr val="accent3"/>
     </dgm:fillClrLst>
     <dgm:linClrLst meth="repeat">
       <a:schemeClr val="lt1"/>
@@ -1088,11 +1085,9 @@
     <dgm:txFillClrLst/>
     <dgm:txEffectClrLst/>
   </dgm:styleLbl>
-  <dgm:styleLbl name="node2">
+  <dgm:styleLbl name="node3">
     <dgm:fillClrLst>
-      <a:schemeClr val="accent6">
-        <a:alpha val="70000"/>
-      </a:schemeClr>
+      <a:schemeClr val="accent4"/>
     </dgm:fillClrLst>
     <dgm:linClrLst meth="repeat">
       <a:schemeClr val="lt1"/>
@@ -1102,11 +1097,9 @@
     <dgm:txFillClrLst/>
     <dgm:txEffectClrLst/>
   </dgm:styleLbl>
-  <dgm:styleLbl name="node3">
+  <dgm:styleLbl name="node4">
     <dgm:fillClrLst>
-      <a:schemeClr val="accent6">
-        <a:alpha val="50000"/>
-      </a:schemeClr>
+      <a:schemeClr val="accent5"/>
     </dgm:fillClrLst>
     <dgm:linClrLst meth="repeat">
       <a:schemeClr val="lt1"/>
@@ -1116,29 +1109,13 @@
     <dgm:txFillClrLst/>
     <dgm:txEffectClrLst/>
   </dgm:styleLbl>
-  <dgm:styleLbl name="node4">
-    <dgm:fillClrLst>
-      <a:schemeClr val="accent6">
-        <a:alpha val="30000"/>
-      </a:schemeClr>
-    </dgm:fillClrLst>
-    <dgm:linClrLst meth="repeat">
-      <a:schemeClr val="lt1"/>
-    </dgm:linClrLst>
-    <dgm:effectClrLst/>
-    <dgm:txLinClrLst/>
-    <dgm:txFillClrLst/>
-    <dgm:txEffectClrLst/>
-  </dgm:styleLbl>
   <dgm:styleLbl name="fgImgPlace1">
     <dgm:fillClrLst>
-      <a:schemeClr val="accent6">
+      <a:schemeClr val="accent2">
         <a:tint val="50000"/>
-        <a:alpha val="90000"/>
-      </a:schemeClr>
-      <a:schemeClr val="accent6">
-        <a:tint val="20000"/>
-        <a:alpha val="50000"/>
+      </a:schemeClr>
+      <a:schemeClr val="accent3">
+        <a:tint val="50000"/>
       </a:schemeClr>
     </dgm:fillClrLst>
     <dgm:linClrLst meth="repeat">
@@ -1153,10 +1130,10 @@
   </dgm:styleLbl>
   <dgm:styleLbl name="alignImgPlace1">
     <dgm:fillClrLst>
-      <a:schemeClr val="accent6">
+      <a:schemeClr val="accent2">
         <a:tint val="50000"/>
       </a:schemeClr>
-      <a:schemeClr val="accent6">
+      <a:schemeClr val="accent3">
         <a:tint val="20000"/>
       </a:schemeClr>
     </dgm:fillClrLst>
@@ -1172,10 +1149,10 @@
   </dgm:styleLbl>
   <dgm:styleLbl name="bgImgPlace1">
     <dgm:fillClrLst>
-      <a:schemeClr val="accent6">
+      <a:schemeClr val="accent2">
         <a:tint val="50000"/>
       </a:schemeClr>
-      <a:schemeClr val="accent6">
+      <a:schemeClr val="accent3">
         <a:tint val="20000"/>
       </a:schemeClr>
     </dgm:fillClrLst>
@@ -1191,20 +1168,11 @@
   </dgm:styleLbl>
   <dgm:styleLbl name="sibTrans2D1">
     <dgm:fillClrLst>
-      <a:schemeClr val="accent6">
-        <a:shade val="90000"/>
-      </a:schemeClr>
-      <a:schemeClr val="accent6">
-        <a:tint val="50000"/>
-      </a:schemeClr>
-    </dgm:fillClrLst>
-    <dgm:linClrLst>
-      <a:schemeClr val="accent6">
-        <a:shade val="90000"/>
-      </a:schemeClr>
-      <a:schemeClr val="accent6">
-        <a:tint val="50000"/>
-      </a:schemeClr>
+      <a:schemeClr val="accent2"/>
+      <a:schemeClr val="accent3"/>
+    </dgm:fillClrLst>
+    <dgm:linClrLst meth="repeat">
+      <a:schemeClr val="lt1"/>
     </dgm:linClrLst>
     <dgm:effectClrLst/>
     <dgm:txLinClrLst/>
@@ -1213,64 +1181,39 @@
   </dgm:styleLbl>
   <dgm:styleLbl name="fgSibTrans2D1">
     <dgm:fillClrLst>
-      <a:schemeClr val="accent6">
-        <a:shade val="90000"/>
-      </a:schemeClr>
-      <a:schemeClr val="accent6">
-        <a:tint val="50000"/>
-      </a:schemeClr>
-    </dgm:fillClrLst>
-    <dgm:linClrLst>
-      <a:schemeClr val="accent6">
-        <a:shade val="90000"/>
-      </a:schemeClr>
-      <a:schemeClr val="accent6">
-        <a:tint val="50000"/>
-      </a:schemeClr>
-    </dgm:linClrLst>
-    <dgm:effectClrLst/>
-    <dgm:txLinClrLst/>
-    <dgm:txFillClrLst/>
+      <a:schemeClr val="accent2"/>
+      <a:schemeClr val="accent3"/>
+    </dgm:fillClrLst>
+    <dgm:linClrLst meth="repeat">
+      <a:schemeClr val="lt1"/>
+    </dgm:linClrLst>
+    <dgm:effectClrLst/>
+    <dgm:txLinClrLst/>
+    <dgm:txFillClrLst meth="repeat">
+      <a:schemeClr val="lt1"/>
+    </dgm:txFillClrLst>
     <dgm:txEffectClrLst/>
   </dgm:styleLbl>
   <dgm:styleLbl name="bgSibTrans2D1">
     <dgm:fillClrLst>
-      <a:schemeClr val="accent6">
-        <a:shade val="90000"/>
-      </a:schemeClr>
-      <a:schemeClr val="accent6">
-        <a:tint val="50000"/>
-      </a:schemeClr>
-    </dgm:fillClrLst>
+      <a:schemeClr val="accent2"/>
+      <a:schemeClr val="accent3"/>
+    </dgm:fillClrLst>
+    <dgm:linClrLst meth="repeat">
+      <a:schemeClr val="lt1"/>
+    </dgm:linClrLst>
+    <dgm:effectClrLst/>
+    <dgm:txLinClrLst/>
+    <dgm:txFillClrLst meth="repeat">
+      <a:schemeClr val="lt1"/>
+    </dgm:txFillClrLst>
+    <dgm:txEffectClrLst/>
+  </dgm:styleLbl>
+  <dgm:styleLbl name="sibTrans1D1">
+    <dgm:fillClrLst/>
     <dgm:linClrLst>
-      <a:schemeClr val="accent6">
-        <a:shade val="90000"/>
-      </a:schemeClr>
-      <a:schemeClr val="accent6">
-        <a:tint val="50000"/>
-      </a:schemeClr>
-    </dgm:linClrLst>
-    <dgm:effectClrLst/>
-    <dgm:txLinClrLst/>
-    <dgm:txFillClrLst/>
-    <dgm:txEffectClrLst/>
-  </dgm:styleLbl>
-  <dgm:styleLbl name="sibTrans1D1">
-    <dgm:fillClrLst>
-      <a:schemeClr val="accent6">
-        <a:shade val="90000"/>
-      </a:schemeClr>
-      <a:schemeClr val="accent6">
-        <a:tint val="50000"/>
-      </a:schemeClr>
-    </dgm:fillClrLst>
-    <dgm:linClrLst>
-      <a:schemeClr val="accent6">
-        <a:shade val="90000"/>
-      </a:schemeClr>
-      <a:schemeClr val="accent6">
-        <a:tint val="50000"/>
-      </a:schemeClr>
+      <a:schemeClr val="accent2"/>
+      <a:schemeClr val="accent3"/>
     </dgm:linClrLst>
     <dgm:effectClrLst/>
     <dgm:txLinClrLst/>
@@ -1281,10 +1224,12 @@
   </dgm:styleLbl>
   <dgm:styleLbl name="callout">
     <dgm:fillClrLst meth="repeat">
-      <a:schemeClr val="accent6"/>
+      <a:schemeClr val="accent2"/>
     </dgm:fillClrLst>
     <dgm:linClrLst meth="repeat">
-      <a:schemeClr val="accent6"/>
+      <a:schemeClr val="accent2">
+        <a:tint val="50000"/>
+      </a:schemeClr>
     </dgm:linClrLst>
     <dgm:effectClrLst/>
     <dgm:txLinClrLst/>
@@ -1295,9 +1240,35 @@
   </dgm:styleLbl>
   <dgm:styleLbl name="asst0">
     <dgm:fillClrLst meth="repeat">
-      <a:schemeClr val="accent6">
-        <a:alpha val="90000"/>
-      </a:schemeClr>
+      <a:schemeClr val="accent2"/>
+    </dgm:fillClrLst>
+    <dgm:linClrLst meth="repeat">
+      <a:schemeClr val="lt1">
+        <a:shade val="80000"/>
+      </a:schemeClr>
+    </dgm:linClrLst>
+    <dgm:effectClrLst/>
+    <dgm:txLinClrLst/>
+    <dgm:txFillClrLst/>
+    <dgm:txEffectClrLst/>
+  </dgm:styleLbl>
+  <dgm:styleLbl name="asst1">
+    <dgm:fillClrLst meth="repeat">
+      <a:schemeClr val="accent3"/>
+    </dgm:fillClrLst>
+    <dgm:linClrLst meth="repeat">
+      <a:schemeClr val="lt1">
+        <a:shade val="80000"/>
+      </a:schemeClr>
+    </dgm:linClrLst>
+    <dgm:effectClrLst/>
+    <dgm:txLinClrLst/>
+    <dgm:txFillClrLst/>
+    <dgm:txEffectClrLst/>
+  </dgm:styleLbl>
+  <dgm:styleLbl name="asst2">
+    <dgm:fillClrLst>
+      <a:schemeClr val="accent4"/>
     </dgm:fillClrLst>
     <dgm:linClrLst meth="repeat">
       <a:schemeClr val="lt1"/>
@@ -1307,11 +1278,9 @@
     <dgm:txFillClrLst/>
     <dgm:txEffectClrLst/>
   </dgm:styleLbl>
-  <dgm:styleLbl name="asst1">
-    <dgm:fillClrLst meth="repeat">
-      <a:schemeClr val="accent6">
-        <a:alpha val="90000"/>
-      </a:schemeClr>
+  <dgm:styleLbl name="asst3">
+    <dgm:fillClrLst>
+      <a:schemeClr val="accent5"/>
     </dgm:fillClrLst>
     <dgm:linClrLst meth="repeat">
       <a:schemeClr val="lt1"/>
@@ -1321,11 +1290,9 @@
     <dgm:txFillClrLst/>
     <dgm:txEffectClrLst/>
   </dgm:styleLbl>
-  <dgm:styleLbl name="asst2">
+  <dgm:styleLbl name="asst4">
     <dgm:fillClrLst>
-      <a:schemeClr val="accent6">
-        <a:alpha val="90000"/>
-      </a:schemeClr>
+      <a:schemeClr val="accent6"/>
     </dgm:fillClrLst>
     <dgm:linClrLst meth="repeat">
       <a:schemeClr val="lt1"/>
@@ -1335,25 +1302,23 @@
     <dgm:txFillClrLst/>
     <dgm:txEffectClrLst/>
   </dgm:styleLbl>
-  <dgm:styleLbl name="asst3">
-    <dgm:fillClrLst>
-      <a:schemeClr val="accent6">
-        <a:alpha val="70000"/>
-      </a:schemeClr>
+  <dgm:styleLbl name="parChTrans2D1">
+    <dgm:fillClrLst meth="repeat">
+      <a:schemeClr val="accent2"/>
     </dgm:fillClrLst>
     <dgm:linClrLst meth="repeat">
       <a:schemeClr val="lt1"/>
     </dgm:linClrLst>
     <dgm:effectClrLst/>
     <dgm:txLinClrLst/>
-    <dgm:txFillClrLst/>
-    <dgm:txEffectClrLst/>
-  </dgm:styleLbl>
-  <dgm:styleLbl name="asst4">
-    <dgm:fillClrLst>
-      <a:schemeClr val="accent6">
-        <a:alpha val="50000"/>
-      </a:schemeClr>
+    <dgm:txFillClrLst meth="repeat">
+      <a:schemeClr val="lt1"/>
+    </dgm:txFillClrLst>
+    <dgm:txEffectClrLst/>
+  </dgm:styleLbl>
+  <dgm:styleLbl name="parChTrans2D2">
+    <dgm:fillClrLst meth="repeat">
+      <a:schemeClr val="accent3"/>
     </dgm:fillClrLst>
     <dgm:linClrLst meth="repeat">
       <a:schemeClr val="lt1"/>
@@ -1363,48 +1328,12 @@
     <dgm:txFillClrLst/>
     <dgm:txEffectClrLst/>
   </dgm:styleLbl>
-  <dgm:styleLbl name="parChTrans2D1">
-    <dgm:fillClrLst meth="repeat">
-      <a:schemeClr val="accent6">
-        <a:shade val="80000"/>
-      </a:schemeClr>
-    </dgm:fillClrLst>
-    <dgm:linClrLst meth="repeat">
-      <a:schemeClr val="accent6">
-        <a:shade val="80000"/>
-      </a:schemeClr>
-    </dgm:linClrLst>
-    <dgm:effectClrLst/>
-    <dgm:txLinClrLst/>
-    <dgm:txFillClrLst/>
-    <dgm:txEffectClrLst/>
-  </dgm:styleLbl>
-  <dgm:styleLbl name="parChTrans2D2">
-    <dgm:fillClrLst meth="repeat">
-      <a:schemeClr val="accent6">
-        <a:tint val="90000"/>
-      </a:schemeClr>
-    </dgm:fillClrLst>
-    <dgm:linClrLst meth="repeat">
-      <a:schemeClr val="accent6">
-        <a:tint val="90000"/>
-      </a:schemeClr>
-    </dgm:linClrLst>
-    <dgm:effectClrLst/>
-    <dgm:txLinClrLst/>
-    <dgm:txFillClrLst/>
-    <dgm:txEffectClrLst/>
-  </dgm:styleLbl>
   <dgm:styleLbl name="parChTrans2D3">
     <dgm:fillClrLst meth="repeat">
-      <a:schemeClr val="accent6">
-        <a:tint val="70000"/>
-      </a:schemeClr>
+      <a:schemeClr val="accent4"/>
     </dgm:fillClrLst>
     <dgm:linClrLst meth="repeat">
-      <a:schemeClr val="accent6">
-        <a:tint val="70000"/>
-      </a:schemeClr>
+      <a:schemeClr val="lt1"/>
     </dgm:linClrLst>
     <dgm:effectClrLst/>
     <dgm:txLinClrLst/>
@@ -1413,32 +1342,24 @@
   </dgm:styleLbl>
   <dgm:styleLbl name="parChTrans2D4">
     <dgm:fillClrLst meth="repeat">
-      <a:schemeClr val="accent6">
-        <a:tint val="50000"/>
-      </a:schemeClr>
+      <a:schemeClr val="accent5"/>
     </dgm:fillClrLst>
     <dgm:linClrLst meth="repeat">
-      <a:schemeClr val="accent6">
-        <a:tint val="50000"/>
-      </a:schemeClr>
+      <a:schemeClr val="lt1"/>
     </dgm:linClrLst>
     <dgm:effectClrLst/>
     <dgm:txLinClrLst/>
     <dgm:txFillClrLst meth="repeat">
-      <a:schemeClr val="dk1"/>
+      <a:schemeClr val="lt1"/>
     </dgm:txFillClrLst>
     <dgm:txEffectClrLst/>
   </dgm:styleLbl>
   <dgm:styleLbl name="parChTrans1D1">
     <dgm:fillClrLst meth="repeat">
-      <a:schemeClr val="accent6">
-        <a:shade val="80000"/>
-      </a:schemeClr>
+      <a:schemeClr val="accent2"/>
     </dgm:fillClrLst>
     <dgm:linClrLst meth="repeat">
-      <a:schemeClr val="accent6">
-        <a:shade val="80000"/>
-      </a:schemeClr>
+      <a:schemeClr val="accent2"/>
     </dgm:linClrLst>
     <dgm:effectClrLst/>
     <dgm:txLinClrLst/>
@@ -1449,14 +1370,12 @@
   </dgm:styleLbl>
   <dgm:styleLbl name="parChTrans1D2">
     <dgm:fillClrLst meth="repeat">
-      <a:schemeClr val="accent6">
+      <a:schemeClr val="accent2">
         <a:tint val="90000"/>
       </a:schemeClr>
     </dgm:fillClrLst>
     <dgm:linClrLst meth="repeat">
-      <a:schemeClr val="accent6">
-        <a:tint val="90000"/>
-      </a:schemeClr>
+      <a:schemeClr val="accent3"/>
     </dgm:linClrLst>
     <dgm:effectClrLst/>
     <dgm:txLinClrLst/>
@@ -1467,14 +1386,12 @@
   </dgm:styleLbl>
   <dgm:styleLbl name="parChTrans1D3">
     <dgm:fillClrLst meth="repeat">
-      <a:schemeClr val="accent6">
+      <a:schemeClr val="accent2">
         <a:tint val="70000"/>
       </a:schemeClr>
     </dgm:fillClrLst>
     <dgm:linClrLst meth="repeat">
-      <a:schemeClr val="accent6">
-        <a:tint val="70000"/>
-      </a:schemeClr>
+      <a:schemeClr val="accent4"/>
     </dgm:linClrLst>
     <dgm:effectClrLst/>
     <dgm:txLinClrLst/>
@@ -1485,14 +1402,12 @@
   </dgm:styleLbl>
   <dgm:styleLbl name="parChTrans1D4">
     <dgm:fillClrLst meth="repeat">
-      <a:schemeClr val="accent6">
+      <a:schemeClr val="accent2">
         <a:tint val="50000"/>
       </a:schemeClr>
     </dgm:fillClrLst>
     <dgm:linClrLst meth="repeat">
-      <a:schemeClr val="accent6">
-        <a:tint val="50000"/>
-      </a:schemeClr>
+      <a:schemeClr val="accent5"/>
     </dgm:linClrLst>
     <dgm:effectClrLst/>
     <dgm:txLinClrLst/>
@@ -1508,12 +1423,8 @@
       </a:schemeClr>
     </dgm:fillClrLst>
     <dgm:linClrLst>
-      <a:schemeClr val="accent6">
-        <a:alpha val="90000"/>
-      </a:schemeClr>
-      <a:schemeClr val="accent6">
-        <a:alpha val="50000"/>
-      </a:schemeClr>
+      <a:schemeClr val="accent2"/>
+      <a:schemeClr val="accent3"/>
     </dgm:linClrLst>
     <dgm:effectClrLst/>
     <dgm:txLinClrLst/>
@@ -1529,12 +1440,8 @@
       </a:schemeClr>
     </dgm:fillClrLst>
     <dgm:linClrLst>
-      <a:schemeClr val="accent6">
-        <a:alpha val="90000"/>
-      </a:schemeClr>
-      <a:schemeClr val="accent6">
-        <a:alpha val="50000"/>
-      </a:schemeClr>
+      <a:schemeClr val="accent2"/>
+      <a:schemeClr val="accent3"/>
     </dgm:linClrLst>
     <dgm:effectClrLst/>
     <dgm:txLinClrLst/>
@@ -1550,12 +1457,8 @@
       </a:schemeClr>
     </dgm:fillClrLst>
     <dgm:linClrLst>
-      <a:schemeClr val="accent6">
-        <a:alpha val="90000"/>
-      </a:schemeClr>
-      <a:schemeClr val="accent6">
-        <a:alpha val="50000"/>
-      </a:schemeClr>
+      <a:schemeClr val="accent2"/>
+      <a:schemeClr val="accent3"/>
     </dgm:linClrLst>
     <dgm:effectClrLst/>
     <dgm:txLinClrLst/>
@@ -1570,13 +1473,8 @@
         <a:alpha val="40000"/>
       </a:schemeClr>
     </dgm:fillClrLst>
-    <dgm:linClrLst>
-      <a:schemeClr val="accent6">
-        <a:alpha val="90000"/>
-      </a:schemeClr>
-      <a:schemeClr val="accent6">
-        <a:alpha val="50000"/>
-      </a:schemeClr>
+    <dgm:linClrLst meth="repeat">
+      <a:schemeClr val="accent2"/>
     </dgm:linClrLst>
     <dgm:effectClrLst/>
     <dgm:txLinClrLst/>
@@ -1592,12 +1490,8 @@
       </a:schemeClr>
     </dgm:fillClrLst>
     <dgm:linClrLst>
-      <a:schemeClr val="accent6">
-        <a:alpha val="90000"/>
-      </a:schemeClr>
-      <a:schemeClr val="accent6">
-        <a:alpha val="50000"/>
-      </a:schemeClr>
+      <a:schemeClr val="accent2"/>
+      <a:schemeClr val="accent3"/>
     </dgm:linClrLst>
     <dgm:effectClrLst/>
     <dgm:txLinClrLst/>
@@ -1611,12 +1505,8 @@
       <a:schemeClr val="lt1"/>
     </dgm:fillClrLst>
     <dgm:linClrLst>
-      <a:schemeClr val="accent6">
-        <a:alpha val="90000"/>
-      </a:schemeClr>
-      <a:schemeClr val="accent6">
-        <a:alpha val="50000"/>
-      </a:schemeClr>
+      <a:schemeClr val="accent2"/>
+      <a:schemeClr val="accent3"/>
     </dgm:linClrLst>
     <dgm:effectClrLst/>
     <dgm:txLinClrLst/>
@@ -1629,8 +1519,9 @@
     <dgm:fillClrLst meth="repeat">
       <a:schemeClr val="lt1"/>
     </dgm:fillClrLst>
-    <dgm:linClrLst meth="repeat">
-      <a:schemeClr val="accent6"/>
+    <dgm:linClrLst>
+      <a:schemeClr val="accent2"/>
+      <a:schemeClr val="accent3"/>
     </dgm:linClrLst>
     <dgm:effectClrLst/>
     <dgm:txLinClrLst/>
@@ -1643,8 +1534,9 @@
     <dgm:fillClrLst meth="repeat">
       <a:schemeClr val="lt1"/>
     </dgm:fillClrLst>
-    <dgm:linClrLst meth="repeat">
-      <a:schemeClr val="accent6"/>
+    <dgm:linClrLst>
+      <a:schemeClr val="accent2"/>
+      <a:schemeClr val="accent3"/>
     </dgm:linClrLst>
     <dgm:effectClrLst/>
     <dgm:txLinClrLst/>
@@ -1655,19 +1547,23 @@
   </dgm:styleLbl>
   <dgm:styleLbl name="fgAccFollowNode1">
     <dgm:fillClrLst>
-      <a:schemeClr val="accent6">
+      <a:schemeClr val="accent2">
+        <a:tint val="40000"/>
         <a:alpha val="90000"/>
+      </a:schemeClr>
+      <a:schemeClr val="accent3">
         <a:tint val="40000"/>
-      </a:schemeClr>
-      <a:schemeClr val="accent6">
-        <a:alpha val="50000"/>
+        <a:alpha val="90000"/>
+      </a:schemeClr>
+    </dgm:fillClrLst>
+    <dgm:linClrLst>
+      <a:schemeClr val="accent2">
         <a:tint val="40000"/>
-      </a:schemeClr>
-    </dgm:fillClrLst>
-    <dgm:linClrLst meth="repeat">
-      <a:schemeClr val="accent6">
         <a:alpha val="90000"/>
+      </a:schemeClr>
+      <a:schemeClr val="accent3">
         <a:tint val="40000"/>
+        <a:alpha val="90000"/>
       </a:schemeClr>
     </dgm:linClrLst>
     <dgm:effectClrLst/>
@@ -1678,16 +1574,24 @@
     <dgm:txEffectClrLst/>
   </dgm:styleLbl>
   <dgm:styleLbl name="alignAccFollowNode1">
-    <dgm:fillClrLst meth="repeat">
-      <a:schemeClr val="accent6">
+    <dgm:fillClrLst>
+      <a:schemeClr val="accent2">
+        <a:tint val="40000"/>
         <a:alpha val="90000"/>
+      </a:schemeClr>
+      <a:schemeClr val="accent3">
         <a:tint val="40000"/>
-      </a:schemeClr>
-    </dgm:fillClrLst>
-    <dgm:linClrLst meth="repeat">
-      <a:schemeClr val="accent6">
         <a:alpha val="90000"/>
+      </a:schemeClr>
+    </dgm:fillClrLst>
+    <dgm:linClrLst>
+      <a:schemeClr val="accent2">
         <a:tint val="40000"/>
+        <a:alpha val="90000"/>
+      </a:schemeClr>
+      <a:schemeClr val="accent3">
+        <a:tint val="40000"/>
+        <a:alpha val="90000"/>
       </a:schemeClr>
     </dgm:linClrLst>
     <dgm:effectClrLst/>
@@ -1698,14 +1602,25 @@
     <dgm:txEffectClrLst/>
   </dgm:styleLbl>
   <dgm:styleLbl name="bgAccFollowNode1">
-    <dgm:fillClrLst meth="repeat">
-      <a:schemeClr val="accent6">
+    <dgm:fillClrLst>
+      <a:schemeClr val="accent2">
+        <a:tint val="40000"/>
         <a:alpha val="90000"/>
+      </a:schemeClr>
+      <a:schemeClr val="accent3">
         <a:tint val="40000"/>
-      </a:schemeClr>
-    </dgm:fillClrLst>
-    <dgm:linClrLst meth="repeat">
-      <a:schemeClr val="lt1"/>
+        <a:alpha val="90000"/>
+      </a:schemeClr>
+    </dgm:fillClrLst>
+    <dgm:linClrLst>
+      <a:schemeClr val="accent2">
+        <a:tint val="40000"/>
+        <a:alpha val="90000"/>
+      </a:schemeClr>
+      <a:schemeClr val="accent3">
+        <a:tint val="40000"/>
+        <a:alpha val="90000"/>
+      </a:schemeClr>
     </dgm:linClrLst>
     <dgm:effectClrLst/>
     <dgm:txLinClrLst/>
@@ -1720,10 +1635,8 @@
         <a:alpha val="90000"/>
       </a:schemeClr>
     </dgm:fillClrLst>
-    <dgm:linClrLst meth="repeat">
-      <a:schemeClr val="accent6">
-        <a:shade val="80000"/>
-      </a:schemeClr>
+    <dgm:linClrLst>
+      <a:schemeClr val="accent1"/>
     </dgm:linClrLst>
     <dgm:effectClrLst/>
     <dgm:txLinClrLst/>
@@ -1738,10 +1651,8 @@
         <a:alpha val="90000"/>
       </a:schemeClr>
     </dgm:fillClrLst>
-    <dgm:linClrLst meth="repeat">
-      <a:schemeClr val="accent6">
-        <a:tint val="90000"/>
-      </a:schemeClr>
+    <dgm:linClrLst>
+      <a:schemeClr val="accent3"/>
     </dgm:linClrLst>
     <dgm:effectClrLst/>
     <dgm:txLinClrLst/>
@@ -1756,10 +1667,8 @@
         <a:alpha val="90000"/>
       </a:schemeClr>
     </dgm:fillClrLst>
-    <dgm:linClrLst meth="repeat">
-      <a:schemeClr val="accent6">
-        <a:tint val="70000"/>
-      </a:schemeClr>
+    <dgm:linClrLst>
+      <a:schemeClr val="accent4"/>
     </dgm:linClrLst>
     <dgm:effectClrLst/>
     <dgm:txLinClrLst/>
@@ -1774,10 +1683,8 @@
         <a:alpha val="90000"/>
       </a:schemeClr>
     </dgm:fillClrLst>
-    <dgm:linClrLst meth="repeat">
-      <a:schemeClr val="accent6">
-        <a:tint val="50000"/>
-      </a:schemeClr>
+    <dgm:linClrLst>
+      <a:schemeClr val="accent5"/>
     </dgm:linClrLst>
     <dgm:effectClrLst/>
     <dgm:txLinClrLst/>
@@ -1788,7 +1695,7 @@
   </dgm:styleLbl>
   <dgm:styleLbl name="bgShp">
     <dgm:fillClrLst meth="repeat">
-      <a:schemeClr val="accent6">
+      <a:schemeClr val="accent2">
         <a:tint val="40000"/>
       </a:schemeClr>
     </dgm:fillClrLst>
@@ -1804,7 +1711,7 @@
   </dgm:styleLbl>
   <dgm:styleLbl name="dkBgShp">
     <dgm:fillClrLst meth="repeat">
-      <a:schemeClr val="accent6">
+      <a:schemeClr val="accent2">
         <a:shade val="90000"/>
       </a:schemeClr>
     </dgm:fillClrLst>
@@ -1820,13 +1727,13 @@
   </dgm:styleLbl>
   <dgm:styleLbl name="trBgShp">
     <dgm:fillClrLst meth="repeat">
-      <a:schemeClr val="accent6">
+      <a:schemeClr val="accent2">
         <a:tint val="50000"/>
         <a:alpha val="40000"/>
       </a:schemeClr>
     </dgm:fillClrLst>
     <dgm:linClrLst meth="repeat">
-      <a:schemeClr val="accent6"/>
+      <a:schemeClr val="accent2"/>
     </dgm:linClrLst>
     <dgm:effectClrLst/>
     <dgm:txLinClrLst/>
@@ -1837,7 +1744,789 @@
   </dgm:styleLbl>
   <dgm:styleLbl name="fgShp">
     <dgm:fillClrLst meth="repeat">
-      <a:schemeClr val="accent6">
+      <a:schemeClr val="accent2">
+        <a:tint val="40000"/>
+      </a:schemeClr>
+    </dgm:fillClrLst>
+    <dgm:linClrLst meth="repeat">
+      <a:schemeClr val="lt1"/>
+    </dgm:linClrLst>
+    <dgm:effectClrLst/>
+    <dgm:txLinClrLst/>
+    <dgm:txFillClrLst meth="repeat">
+      <a:schemeClr val="dk1"/>
+    </dgm:txFillClrLst>
+    <dgm:txEffectClrLst/>
+  </dgm:styleLbl>
+  <dgm:styleLbl name="revTx">
+    <dgm:fillClrLst meth="repeat">
+      <a:schemeClr val="lt1">
+        <a:alpha val="0"/>
+      </a:schemeClr>
+    </dgm:fillClrLst>
+    <dgm:linClrLst meth="repeat">
+      <a:schemeClr val="dk1">
+        <a:alpha val="0"/>
+      </a:schemeClr>
+    </dgm:linClrLst>
+    <dgm:effectClrLst/>
+    <dgm:txLinClrLst/>
+    <dgm:txFillClrLst meth="repeat">
+      <a:schemeClr val="tx1"/>
+    </dgm:txFillClrLst>
+    <dgm:txEffectClrLst/>
+  </dgm:styleLbl>
+</dgm:colorsDef>
+</file>
+
+<file path=ppt/diagrams/colors3.xml><?xml version="1.0" encoding="utf-8"?>
+<dgm:colorsDef xmlns:dgm="http://schemas.openxmlformats.org/drawingml/2006/diagram" xmlns:a="http://schemas.openxmlformats.org/drawingml/2006/main" uniqueId="urn:microsoft.com/office/officeart/2005/8/colors/colorful2">
+  <dgm:title val=""/>
+  <dgm:desc val=""/>
+  <dgm:catLst>
+    <dgm:cat type="colorful" pri="10200"/>
+  </dgm:catLst>
+  <dgm:styleLbl name="node0">
+    <dgm:fillClrLst meth="repeat">
+      <a:schemeClr val="accent1"/>
+    </dgm:fillClrLst>
+    <dgm:linClrLst meth="repeat">
+      <a:schemeClr val="lt1"/>
+    </dgm:linClrLst>
+    <dgm:effectClrLst/>
+    <dgm:txLinClrLst/>
+    <dgm:txFillClrLst/>
+    <dgm:txEffectClrLst/>
+  </dgm:styleLbl>
+  <dgm:styleLbl name="node1">
+    <dgm:fillClrLst>
+      <a:schemeClr val="accent2"/>
+      <a:schemeClr val="accent3"/>
+    </dgm:fillClrLst>
+    <dgm:linClrLst meth="repeat">
+      <a:schemeClr val="lt1"/>
+    </dgm:linClrLst>
+    <dgm:effectClrLst/>
+    <dgm:txLinClrLst/>
+    <dgm:txFillClrLst/>
+    <dgm:txEffectClrLst/>
+  </dgm:styleLbl>
+  <dgm:styleLbl name="alignNode1">
+    <dgm:fillClrLst>
+      <a:schemeClr val="accent2"/>
+      <a:schemeClr val="accent3"/>
+    </dgm:fillClrLst>
+    <dgm:linClrLst>
+      <a:schemeClr val="accent2"/>
+      <a:schemeClr val="accent3"/>
+    </dgm:linClrLst>
+    <dgm:effectClrLst/>
+    <dgm:txLinClrLst/>
+    <dgm:txFillClrLst/>
+    <dgm:txEffectClrLst/>
+  </dgm:styleLbl>
+  <dgm:styleLbl name="lnNode1">
+    <dgm:fillClrLst>
+      <a:schemeClr val="accent2"/>
+      <a:schemeClr val="accent3"/>
+    </dgm:fillClrLst>
+    <dgm:linClrLst meth="repeat">
+      <a:schemeClr val="lt1"/>
+    </dgm:linClrLst>
+    <dgm:effectClrLst/>
+    <dgm:txLinClrLst/>
+    <dgm:txFillClrLst/>
+    <dgm:txEffectClrLst/>
+  </dgm:styleLbl>
+  <dgm:styleLbl name="vennNode1">
+    <dgm:fillClrLst>
+      <a:schemeClr val="accent2">
+        <a:alpha val="50000"/>
+      </a:schemeClr>
+      <a:schemeClr val="accent3">
+        <a:alpha val="50000"/>
+      </a:schemeClr>
+    </dgm:fillClrLst>
+    <dgm:linClrLst meth="repeat">
+      <a:schemeClr val="lt1"/>
+    </dgm:linClrLst>
+    <dgm:effectClrLst/>
+    <dgm:txLinClrLst/>
+    <dgm:txFillClrLst/>
+    <dgm:txEffectClrLst/>
+  </dgm:styleLbl>
+  <dgm:styleLbl name="node2">
+    <dgm:fillClrLst>
+      <a:schemeClr val="accent3"/>
+    </dgm:fillClrLst>
+    <dgm:linClrLst meth="repeat">
+      <a:schemeClr val="lt1"/>
+    </dgm:linClrLst>
+    <dgm:effectClrLst/>
+    <dgm:txLinClrLst/>
+    <dgm:txFillClrLst/>
+    <dgm:txEffectClrLst/>
+  </dgm:styleLbl>
+  <dgm:styleLbl name="node3">
+    <dgm:fillClrLst>
+      <a:schemeClr val="accent4"/>
+    </dgm:fillClrLst>
+    <dgm:linClrLst meth="repeat">
+      <a:schemeClr val="lt1"/>
+    </dgm:linClrLst>
+    <dgm:effectClrLst/>
+    <dgm:txLinClrLst/>
+    <dgm:txFillClrLst/>
+    <dgm:txEffectClrLst/>
+  </dgm:styleLbl>
+  <dgm:styleLbl name="node4">
+    <dgm:fillClrLst>
+      <a:schemeClr val="accent5"/>
+    </dgm:fillClrLst>
+    <dgm:linClrLst meth="repeat">
+      <a:schemeClr val="lt1"/>
+    </dgm:linClrLst>
+    <dgm:effectClrLst/>
+    <dgm:txLinClrLst/>
+    <dgm:txFillClrLst/>
+    <dgm:txEffectClrLst/>
+  </dgm:styleLbl>
+  <dgm:styleLbl name="fgImgPlace1">
+    <dgm:fillClrLst>
+      <a:schemeClr val="accent2">
+        <a:tint val="50000"/>
+      </a:schemeClr>
+      <a:schemeClr val="accent3">
+        <a:tint val="50000"/>
+      </a:schemeClr>
+    </dgm:fillClrLst>
+    <dgm:linClrLst meth="repeat">
+      <a:schemeClr val="lt1"/>
+    </dgm:linClrLst>
+    <dgm:effectClrLst/>
+    <dgm:txLinClrLst/>
+    <dgm:txFillClrLst meth="repeat">
+      <a:schemeClr val="lt1"/>
+    </dgm:txFillClrLst>
+    <dgm:txEffectClrLst/>
+  </dgm:styleLbl>
+  <dgm:styleLbl name="alignImgPlace1">
+    <dgm:fillClrLst>
+      <a:schemeClr val="accent2">
+        <a:tint val="50000"/>
+      </a:schemeClr>
+      <a:schemeClr val="accent3">
+        <a:tint val="20000"/>
+      </a:schemeClr>
+    </dgm:fillClrLst>
+    <dgm:linClrLst meth="repeat">
+      <a:schemeClr val="lt1"/>
+    </dgm:linClrLst>
+    <dgm:effectClrLst/>
+    <dgm:txLinClrLst/>
+    <dgm:txFillClrLst meth="repeat">
+      <a:schemeClr val="lt1"/>
+    </dgm:txFillClrLst>
+    <dgm:txEffectClrLst/>
+  </dgm:styleLbl>
+  <dgm:styleLbl name="bgImgPlace1">
+    <dgm:fillClrLst>
+      <a:schemeClr val="accent2">
+        <a:tint val="50000"/>
+      </a:schemeClr>
+      <a:schemeClr val="accent3">
+        <a:tint val="20000"/>
+      </a:schemeClr>
+    </dgm:fillClrLst>
+    <dgm:linClrLst meth="repeat">
+      <a:schemeClr val="lt1"/>
+    </dgm:linClrLst>
+    <dgm:effectClrLst/>
+    <dgm:txLinClrLst/>
+    <dgm:txFillClrLst meth="repeat">
+      <a:schemeClr val="lt1"/>
+    </dgm:txFillClrLst>
+    <dgm:txEffectClrLst/>
+  </dgm:styleLbl>
+  <dgm:styleLbl name="sibTrans2D1">
+    <dgm:fillClrLst>
+      <a:schemeClr val="accent2"/>
+      <a:schemeClr val="accent3"/>
+    </dgm:fillClrLst>
+    <dgm:linClrLst meth="repeat">
+      <a:schemeClr val="lt1"/>
+    </dgm:linClrLst>
+    <dgm:effectClrLst/>
+    <dgm:txLinClrLst/>
+    <dgm:txFillClrLst/>
+    <dgm:txEffectClrLst/>
+  </dgm:styleLbl>
+  <dgm:styleLbl name="fgSibTrans2D1">
+    <dgm:fillClrLst>
+      <a:schemeClr val="accent2"/>
+      <a:schemeClr val="accent3"/>
+    </dgm:fillClrLst>
+    <dgm:linClrLst meth="repeat">
+      <a:schemeClr val="lt1"/>
+    </dgm:linClrLst>
+    <dgm:effectClrLst/>
+    <dgm:txLinClrLst/>
+    <dgm:txFillClrLst meth="repeat">
+      <a:schemeClr val="lt1"/>
+    </dgm:txFillClrLst>
+    <dgm:txEffectClrLst/>
+  </dgm:styleLbl>
+  <dgm:styleLbl name="bgSibTrans2D1">
+    <dgm:fillClrLst>
+      <a:schemeClr val="accent2"/>
+      <a:schemeClr val="accent3"/>
+    </dgm:fillClrLst>
+    <dgm:linClrLst meth="repeat">
+      <a:schemeClr val="lt1"/>
+    </dgm:linClrLst>
+    <dgm:effectClrLst/>
+    <dgm:txLinClrLst/>
+    <dgm:txFillClrLst meth="repeat">
+      <a:schemeClr val="lt1"/>
+    </dgm:txFillClrLst>
+    <dgm:txEffectClrLst/>
+  </dgm:styleLbl>
+  <dgm:styleLbl name="sibTrans1D1">
+    <dgm:fillClrLst/>
+    <dgm:linClrLst>
+      <a:schemeClr val="accent2"/>
+      <a:schemeClr val="accent3"/>
+    </dgm:linClrLst>
+    <dgm:effectClrLst/>
+    <dgm:txLinClrLst/>
+    <dgm:txFillClrLst meth="repeat">
+      <a:schemeClr val="tx1"/>
+    </dgm:txFillClrLst>
+    <dgm:txEffectClrLst/>
+  </dgm:styleLbl>
+  <dgm:styleLbl name="callout">
+    <dgm:fillClrLst meth="repeat">
+      <a:schemeClr val="accent2"/>
+    </dgm:fillClrLst>
+    <dgm:linClrLst meth="repeat">
+      <a:schemeClr val="accent2">
+        <a:tint val="50000"/>
+      </a:schemeClr>
+    </dgm:linClrLst>
+    <dgm:effectClrLst/>
+    <dgm:txLinClrLst/>
+    <dgm:txFillClrLst meth="repeat">
+      <a:schemeClr val="tx1"/>
+    </dgm:txFillClrLst>
+    <dgm:txEffectClrLst/>
+  </dgm:styleLbl>
+  <dgm:styleLbl name="asst0">
+    <dgm:fillClrLst meth="repeat">
+      <a:schemeClr val="accent2"/>
+    </dgm:fillClrLst>
+    <dgm:linClrLst meth="repeat">
+      <a:schemeClr val="lt1">
+        <a:shade val="80000"/>
+      </a:schemeClr>
+    </dgm:linClrLst>
+    <dgm:effectClrLst/>
+    <dgm:txLinClrLst/>
+    <dgm:txFillClrLst/>
+    <dgm:txEffectClrLst/>
+  </dgm:styleLbl>
+  <dgm:styleLbl name="asst1">
+    <dgm:fillClrLst meth="repeat">
+      <a:schemeClr val="accent3"/>
+    </dgm:fillClrLst>
+    <dgm:linClrLst meth="repeat">
+      <a:schemeClr val="lt1">
+        <a:shade val="80000"/>
+      </a:schemeClr>
+    </dgm:linClrLst>
+    <dgm:effectClrLst/>
+    <dgm:txLinClrLst/>
+    <dgm:txFillClrLst/>
+    <dgm:txEffectClrLst/>
+  </dgm:styleLbl>
+  <dgm:styleLbl name="asst2">
+    <dgm:fillClrLst>
+      <a:schemeClr val="accent4"/>
+    </dgm:fillClrLst>
+    <dgm:linClrLst meth="repeat">
+      <a:schemeClr val="lt1"/>
+    </dgm:linClrLst>
+    <dgm:effectClrLst/>
+    <dgm:txLinClrLst/>
+    <dgm:txFillClrLst/>
+    <dgm:txEffectClrLst/>
+  </dgm:styleLbl>
+  <dgm:styleLbl name="asst3">
+    <dgm:fillClrLst>
+      <a:schemeClr val="accent5"/>
+    </dgm:fillClrLst>
+    <dgm:linClrLst meth="repeat">
+      <a:schemeClr val="lt1"/>
+    </dgm:linClrLst>
+    <dgm:effectClrLst/>
+    <dgm:txLinClrLst/>
+    <dgm:txFillClrLst/>
+    <dgm:txEffectClrLst/>
+  </dgm:styleLbl>
+  <dgm:styleLbl name="asst4">
+    <dgm:fillClrLst>
+      <a:schemeClr val="accent6"/>
+    </dgm:fillClrLst>
+    <dgm:linClrLst meth="repeat">
+      <a:schemeClr val="lt1"/>
+    </dgm:linClrLst>
+    <dgm:effectClrLst/>
+    <dgm:txLinClrLst/>
+    <dgm:txFillClrLst/>
+    <dgm:txEffectClrLst/>
+  </dgm:styleLbl>
+  <dgm:styleLbl name="parChTrans2D1">
+    <dgm:fillClrLst meth="repeat">
+      <a:schemeClr val="accent2"/>
+    </dgm:fillClrLst>
+    <dgm:linClrLst meth="repeat">
+      <a:schemeClr val="lt1"/>
+    </dgm:linClrLst>
+    <dgm:effectClrLst/>
+    <dgm:txLinClrLst/>
+    <dgm:txFillClrLst meth="repeat">
+      <a:schemeClr val="lt1"/>
+    </dgm:txFillClrLst>
+    <dgm:txEffectClrLst/>
+  </dgm:styleLbl>
+  <dgm:styleLbl name="parChTrans2D2">
+    <dgm:fillClrLst meth="repeat">
+      <a:schemeClr val="accent3"/>
+    </dgm:fillClrLst>
+    <dgm:linClrLst meth="repeat">
+      <a:schemeClr val="lt1"/>
+    </dgm:linClrLst>
+    <dgm:effectClrLst/>
+    <dgm:txLinClrLst/>
+    <dgm:txFillClrLst/>
+    <dgm:txEffectClrLst/>
+  </dgm:styleLbl>
+  <dgm:styleLbl name="parChTrans2D3">
+    <dgm:fillClrLst meth="repeat">
+      <a:schemeClr val="accent4"/>
+    </dgm:fillClrLst>
+    <dgm:linClrLst meth="repeat">
+      <a:schemeClr val="lt1"/>
+    </dgm:linClrLst>
+    <dgm:effectClrLst/>
+    <dgm:txLinClrLst/>
+    <dgm:txFillClrLst/>
+    <dgm:txEffectClrLst/>
+  </dgm:styleLbl>
+  <dgm:styleLbl name="parChTrans2D4">
+    <dgm:fillClrLst meth="repeat">
+      <a:schemeClr val="accent5"/>
+    </dgm:fillClrLst>
+    <dgm:linClrLst meth="repeat">
+      <a:schemeClr val="lt1"/>
+    </dgm:linClrLst>
+    <dgm:effectClrLst/>
+    <dgm:txLinClrLst/>
+    <dgm:txFillClrLst meth="repeat">
+      <a:schemeClr val="lt1"/>
+    </dgm:txFillClrLst>
+    <dgm:txEffectClrLst/>
+  </dgm:styleLbl>
+  <dgm:styleLbl name="parChTrans1D1">
+    <dgm:fillClrLst meth="repeat">
+      <a:schemeClr val="accent2"/>
+    </dgm:fillClrLst>
+    <dgm:linClrLst meth="repeat">
+      <a:schemeClr val="accent2"/>
+    </dgm:linClrLst>
+    <dgm:effectClrLst/>
+    <dgm:txLinClrLst/>
+    <dgm:txFillClrLst meth="repeat">
+      <a:schemeClr val="tx1"/>
+    </dgm:txFillClrLst>
+    <dgm:txEffectClrLst/>
+  </dgm:styleLbl>
+  <dgm:styleLbl name="parChTrans1D2">
+    <dgm:fillClrLst meth="repeat">
+      <a:schemeClr val="accent2">
+        <a:tint val="90000"/>
+      </a:schemeClr>
+    </dgm:fillClrLst>
+    <dgm:linClrLst meth="repeat">
+      <a:schemeClr val="accent3"/>
+    </dgm:linClrLst>
+    <dgm:effectClrLst/>
+    <dgm:txLinClrLst/>
+    <dgm:txFillClrLst meth="repeat">
+      <a:schemeClr val="tx1"/>
+    </dgm:txFillClrLst>
+    <dgm:txEffectClrLst/>
+  </dgm:styleLbl>
+  <dgm:styleLbl name="parChTrans1D3">
+    <dgm:fillClrLst meth="repeat">
+      <a:schemeClr val="accent2">
+        <a:tint val="70000"/>
+      </a:schemeClr>
+    </dgm:fillClrLst>
+    <dgm:linClrLst meth="repeat">
+      <a:schemeClr val="accent4"/>
+    </dgm:linClrLst>
+    <dgm:effectClrLst/>
+    <dgm:txLinClrLst/>
+    <dgm:txFillClrLst meth="repeat">
+      <a:schemeClr val="tx1"/>
+    </dgm:txFillClrLst>
+    <dgm:txEffectClrLst/>
+  </dgm:styleLbl>
+  <dgm:styleLbl name="parChTrans1D4">
+    <dgm:fillClrLst meth="repeat">
+      <a:schemeClr val="accent2">
+        <a:tint val="50000"/>
+      </a:schemeClr>
+    </dgm:fillClrLst>
+    <dgm:linClrLst meth="repeat">
+      <a:schemeClr val="accent5"/>
+    </dgm:linClrLst>
+    <dgm:effectClrLst/>
+    <dgm:txLinClrLst/>
+    <dgm:txFillClrLst meth="repeat">
+      <a:schemeClr val="tx1"/>
+    </dgm:txFillClrLst>
+    <dgm:txEffectClrLst/>
+  </dgm:styleLbl>
+  <dgm:styleLbl name="fgAcc1">
+    <dgm:fillClrLst meth="repeat">
+      <a:schemeClr val="lt1">
+        <a:alpha val="90000"/>
+      </a:schemeClr>
+    </dgm:fillClrLst>
+    <dgm:linClrLst>
+      <a:schemeClr val="accent2"/>
+      <a:schemeClr val="accent3"/>
+    </dgm:linClrLst>
+    <dgm:effectClrLst/>
+    <dgm:txLinClrLst/>
+    <dgm:txFillClrLst meth="repeat">
+      <a:schemeClr val="dk1"/>
+    </dgm:txFillClrLst>
+    <dgm:txEffectClrLst/>
+  </dgm:styleLbl>
+  <dgm:styleLbl name="conFgAcc1">
+    <dgm:fillClrLst meth="repeat">
+      <a:schemeClr val="lt1">
+        <a:alpha val="90000"/>
+      </a:schemeClr>
+    </dgm:fillClrLst>
+    <dgm:linClrLst>
+      <a:schemeClr val="accent2"/>
+      <a:schemeClr val="accent3"/>
+    </dgm:linClrLst>
+    <dgm:effectClrLst/>
+    <dgm:txLinClrLst/>
+    <dgm:txFillClrLst meth="repeat">
+      <a:schemeClr val="dk1"/>
+    </dgm:txFillClrLst>
+    <dgm:txEffectClrLst/>
+  </dgm:styleLbl>
+  <dgm:styleLbl name="alignAcc1">
+    <dgm:fillClrLst meth="repeat">
+      <a:schemeClr val="lt1">
+        <a:alpha val="90000"/>
+      </a:schemeClr>
+    </dgm:fillClrLst>
+    <dgm:linClrLst>
+      <a:schemeClr val="accent2"/>
+      <a:schemeClr val="accent3"/>
+    </dgm:linClrLst>
+    <dgm:effectClrLst/>
+    <dgm:txLinClrLst/>
+    <dgm:txFillClrLst meth="repeat">
+      <a:schemeClr val="dk1"/>
+    </dgm:txFillClrLst>
+    <dgm:txEffectClrLst/>
+  </dgm:styleLbl>
+  <dgm:styleLbl name="trAlignAcc1">
+    <dgm:fillClrLst meth="repeat">
+      <a:schemeClr val="lt1">
+        <a:alpha val="40000"/>
+      </a:schemeClr>
+    </dgm:fillClrLst>
+    <dgm:linClrLst meth="repeat">
+      <a:schemeClr val="accent2"/>
+    </dgm:linClrLst>
+    <dgm:effectClrLst/>
+    <dgm:txLinClrLst/>
+    <dgm:txFillClrLst meth="repeat">
+      <a:schemeClr val="dk1"/>
+    </dgm:txFillClrLst>
+    <dgm:txEffectClrLst/>
+  </dgm:styleLbl>
+  <dgm:styleLbl name="bgAcc1">
+    <dgm:fillClrLst meth="repeat">
+      <a:schemeClr val="lt1">
+        <a:alpha val="90000"/>
+      </a:schemeClr>
+    </dgm:fillClrLst>
+    <dgm:linClrLst>
+      <a:schemeClr val="accent2"/>
+      <a:schemeClr val="accent3"/>
+    </dgm:linClrLst>
+    <dgm:effectClrLst/>
+    <dgm:txLinClrLst/>
+    <dgm:txFillClrLst meth="repeat">
+      <a:schemeClr val="dk1"/>
+    </dgm:txFillClrLst>
+    <dgm:txEffectClrLst/>
+  </dgm:styleLbl>
+  <dgm:styleLbl name="solidFgAcc1">
+    <dgm:fillClrLst meth="repeat">
+      <a:schemeClr val="lt1"/>
+    </dgm:fillClrLst>
+    <dgm:linClrLst>
+      <a:schemeClr val="accent2"/>
+      <a:schemeClr val="accent3"/>
+    </dgm:linClrLst>
+    <dgm:effectClrLst/>
+    <dgm:txLinClrLst/>
+    <dgm:txFillClrLst meth="repeat">
+      <a:schemeClr val="dk1"/>
+    </dgm:txFillClrLst>
+    <dgm:txEffectClrLst/>
+  </dgm:styleLbl>
+  <dgm:styleLbl name="solidAlignAcc1">
+    <dgm:fillClrLst meth="repeat">
+      <a:schemeClr val="lt1"/>
+    </dgm:fillClrLst>
+    <dgm:linClrLst>
+      <a:schemeClr val="accent2"/>
+      <a:schemeClr val="accent3"/>
+    </dgm:linClrLst>
+    <dgm:effectClrLst/>
+    <dgm:txLinClrLst/>
+    <dgm:txFillClrLst meth="repeat">
+      <a:schemeClr val="dk1"/>
+    </dgm:txFillClrLst>
+    <dgm:txEffectClrLst/>
+  </dgm:styleLbl>
+  <dgm:styleLbl name="solidBgAcc1">
+    <dgm:fillClrLst meth="repeat">
+      <a:schemeClr val="lt1"/>
+    </dgm:fillClrLst>
+    <dgm:linClrLst>
+      <a:schemeClr val="accent2"/>
+      <a:schemeClr val="accent3"/>
+    </dgm:linClrLst>
+    <dgm:effectClrLst/>
+    <dgm:txLinClrLst/>
+    <dgm:txFillClrLst meth="repeat">
+      <a:schemeClr val="dk1"/>
+    </dgm:txFillClrLst>
+    <dgm:txEffectClrLst/>
+  </dgm:styleLbl>
+  <dgm:styleLbl name="fgAccFollowNode1">
+    <dgm:fillClrLst>
+      <a:schemeClr val="accent2">
+        <a:tint val="40000"/>
+        <a:alpha val="90000"/>
+      </a:schemeClr>
+      <a:schemeClr val="accent3">
+        <a:tint val="40000"/>
+        <a:alpha val="90000"/>
+      </a:schemeClr>
+    </dgm:fillClrLst>
+    <dgm:linClrLst>
+      <a:schemeClr val="accent2">
+        <a:tint val="40000"/>
+        <a:alpha val="90000"/>
+      </a:schemeClr>
+      <a:schemeClr val="accent3">
+        <a:tint val="40000"/>
+        <a:alpha val="90000"/>
+      </a:schemeClr>
+    </dgm:linClrLst>
+    <dgm:effectClrLst/>
+    <dgm:txLinClrLst/>
+    <dgm:txFillClrLst meth="repeat">
+      <a:schemeClr val="dk1"/>
+    </dgm:txFillClrLst>
+    <dgm:txEffectClrLst/>
+  </dgm:styleLbl>
+  <dgm:styleLbl name="alignAccFollowNode1">
+    <dgm:fillClrLst>
+      <a:schemeClr val="accent2">
+        <a:tint val="40000"/>
+        <a:alpha val="90000"/>
+      </a:schemeClr>
+      <a:schemeClr val="accent3">
+        <a:tint val="40000"/>
+        <a:alpha val="90000"/>
+      </a:schemeClr>
+    </dgm:fillClrLst>
+    <dgm:linClrLst>
+      <a:schemeClr val="accent2">
+        <a:tint val="40000"/>
+        <a:alpha val="90000"/>
+      </a:schemeClr>
+      <a:schemeClr val="accent3">
+        <a:tint val="40000"/>
+        <a:alpha val="90000"/>
+      </a:schemeClr>
+    </dgm:linClrLst>
+    <dgm:effectClrLst/>
+    <dgm:txLinClrLst/>
+    <dgm:txFillClrLst meth="repeat">
+      <a:schemeClr val="dk1"/>
+    </dgm:txFillClrLst>
+    <dgm:txEffectClrLst/>
+  </dgm:styleLbl>
+  <dgm:styleLbl name="bgAccFollowNode1">
+    <dgm:fillClrLst>
+      <a:schemeClr val="accent2">
+        <a:tint val="40000"/>
+        <a:alpha val="90000"/>
+      </a:schemeClr>
+      <a:schemeClr val="accent3">
+        <a:tint val="40000"/>
+        <a:alpha val="90000"/>
+      </a:schemeClr>
+    </dgm:fillClrLst>
+    <dgm:linClrLst>
+      <a:schemeClr val="accent2">
+        <a:tint val="40000"/>
+        <a:alpha val="90000"/>
+      </a:schemeClr>
+      <a:schemeClr val="accent3">
+        <a:tint val="40000"/>
+        <a:alpha val="90000"/>
+      </a:schemeClr>
+    </dgm:linClrLst>
+    <dgm:effectClrLst/>
+    <dgm:txLinClrLst/>
+    <dgm:txFillClrLst meth="repeat">
+      <a:schemeClr val="dk1"/>
+    </dgm:txFillClrLst>
+    <dgm:txEffectClrLst/>
+  </dgm:styleLbl>
+  <dgm:styleLbl name="fgAcc0">
+    <dgm:fillClrLst meth="repeat">
+      <a:schemeClr val="lt1">
+        <a:alpha val="90000"/>
+      </a:schemeClr>
+    </dgm:fillClrLst>
+    <dgm:linClrLst>
+      <a:schemeClr val="accent1"/>
+    </dgm:linClrLst>
+    <dgm:effectClrLst/>
+    <dgm:txLinClrLst/>
+    <dgm:txFillClrLst meth="repeat">
+      <a:schemeClr val="dk1"/>
+    </dgm:txFillClrLst>
+    <dgm:txEffectClrLst/>
+  </dgm:styleLbl>
+  <dgm:styleLbl name="fgAcc2">
+    <dgm:fillClrLst meth="repeat">
+      <a:schemeClr val="lt1">
+        <a:alpha val="90000"/>
+      </a:schemeClr>
+    </dgm:fillClrLst>
+    <dgm:linClrLst>
+      <a:schemeClr val="accent3"/>
+    </dgm:linClrLst>
+    <dgm:effectClrLst/>
+    <dgm:txLinClrLst/>
+    <dgm:txFillClrLst meth="repeat">
+      <a:schemeClr val="dk1"/>
+    </dgm:txFillClrLst>
+    <dgm:txEffectClrLst/>
+  </dgm:styleLbl>
+  <dgm:styleLbl name="fgAcc3">
+    <dgm:fillClrLst meth="repeat">
+      <a:schemeClr val="lt1">
+        <a:alpha val="90000"/>
+      </a:schemeClr>
+    </dgm:fillClrLst>
+    <dgm:linClrLst>
+      <a:schemeClr val="accent4"/>
+    </dgm:linClrLst>
+    <dgm:effectClrLst/>
+    <dgm:txLinClrLst/>
+    <dgm:txFillClrLst meth="repeat">
+      <a:schemeClr val="dk1"/>
+    </dgm:txFillClrLst>
+    <dgm:txEffectClrLst/>
+  </dgm:styleLbl>
+  <dgm:styleLbl name="fgAcc4">
+    <dgm:fillClrLst meth="repeat">
+      <a:schemeClr val="lt1">
+        <a:alpha val="90000"/>
+      </a:schemeClr>
+    </dgm:fillClrLst>
+    <dgm:linClrLst>
+      <a:schemeClr val="accent5"/>
+    </dgm:linClrLst>
+    <dgm:effectClrLst/>
+    <dgm:txLinClrLst/>
+    <dgm:txFillClrLst meth="repeat">
+      <a:schemeClr val="dk1"/>
+    </dgm:txFillClrLst>
+    <dgm:txEffectClrLst/>
+  </dgm:styleLbl>
+  <dgm:styleLbl name="bgShp">
+    <dgm:fillClrLst meth="repeat">
+      <a:schemeClr val="accent2">
+        <a:tint val="40000"/>
+      </a:schemeClr>
+    </dgm:fillClrLst>
+    <dgm:linClrLst meth="repeat">
+      <a:schemeClr val="dk1"/>
+    </dgm:linClrLst>
+    <dgm:effectClrLst/>
+    <dgm:txLinClrLst/>
+    <dgm:txFillClrLst meth="repeat">
+      <a:schemeClr val="dk1"/>
+    </dgm:txFillClrLst>
+    <dgm:txEffectClrLst/>
+  </dgm:styleLbl>
+  <dgm:styleLbl name="dkBgShp">
+    <dgm:fillClrLst meth="repeat">
+      <a:schemeClr val="accent2">
+        <a:shade val="90000"/>
+      </a:schemeClr>
+    </dgm:fillClrLst>
+    <dgm:linClrLst meth="repeat">
+      <a:schemeClr val="dk1"/>
+    </dgm:linClrLst>
+    <dgm:effectClrLst/>
+    <dgm:txLinClrLst/>
+    <dgm:txFillClrLst meth="repeat">
+      <a:schemeClr val="lt1"/>
+    </dgm:txFillClrLst>
+    <dgm:txEffectClrLst/>
+  </dgm:styleLbl>
+  <dgm:styleLbl name="trBgShp">
+    <dgm:fillClrLst meth="repeat">
+      <a:schemeClr val="accent2">
+        <a:tint val="50000"/>
+        <a:alpha val="40000"/>
+      </a:schemeClr>
+    </dgm:fillClrLst>
+    <dgm:linClrLst meth="repeat">
+      <a:schemeClr val="accent2"/>
+    </dgm:linClrLst>
+    <dgm:effectClrLst/>
+    <dgm:txLinClrLst/>
+    <dgm:txFillClrLst meth="repeat">
+      <a:schemeClr val="lt1"/>
+    </dgm:txFillClrLst>
+    <dgm:txEffectClrLst/>
+  </dgm:styleLbl>
+  <dgm:styleLbl name="fgShp">
+    <dgm:fillClrLst meth="repeat">
+      <a:schemeClr val="accent2">
         <a:tint val="40000"/>
       </a:schemeClr>
     </dgm:fillClrLst>
@@ -2056,6 +2745,13 @@
         </dgm:presLayoutVars>
       </dgm:prSet>
       <dgm:spPr/>
+      <dgm:t>
+        <a:bodyPr/>
+        <a:lstStyle/>
+        <a:p>
+          <a:endParaRPr lang="en-US"/>
+        </a:p>
+      </dgm:t>
     </dgm:pt>
     <dgm:pt modelId="{28E687EF-7692-495E-8177-D181E64BCF8C}" type="pres">
       <dgm:prSet presAssocID="{39B30ACF-42AD-4DFA-82EE-7677243BB3B0}" presName="node" presStyleLbl="node1" presStyleIdx="0" presStyleCnt="3">
@@ -2064,6 +2760,13 @@
         </dgm:presLayoutVars>
       </dgm:prSet>
       <dgm:spPr/>
+      <dgm:t>
+        <a:bodyPr/>
+        <a:lstStyle/>
+        <a:p>
+          <a:endParaRPr lang="en-US"/>
+        </a:p>
+      </dgm:t>
     </dgm:pt>
     <dgm:pt modelId="{3972A792-79F0-4A3A-97DC-293DE9E702C7}" type="pres">
       <dgm:prSet presAssocID="{5C9AC887-4F2F-441F-B125-46B3C24C3BB4}" presName="sibTrans" presStyleCnt="0"/>
@@ -2076,6 +2779,13 @@
         </dgm:presLayoutVars>
       </dgm:prSet>
       <dgm:spPr/>
+      <dgm:t>
+        <a:bodyPr/>
+        <a:lstStyle/>
+        <a:p>
+          <a:endParaRPr lang="en-US"/>
+        </a:p>
+      </dgm:t>
     </dgm:pt>
     <dgm:pt modelId="{C74057D5-8783-4C17-BC14-C96E5D75B845}" type="pres">
       <dgm:prSet presAssocID="{0F7829E8-1D0B-4E99-869B-8F6DFAD43427}" presName="sibTrans" presStyleCnt="0"/>
@@ -2088,16 +2798,23 @@
         </dgm:presLayoutVars>
       </dgm:prSet>
       <dgm:spPr/>
+      <dgm:t>
+        <a:bodyPr/>
+        <a:lstStyle/>
+        <a:p>
+          <a:endParaRPr lang="en-US"/>
+        </a:p>
+      </dgm:t>
     </dgm:pt>
   </dgm:ptLst>
   <dgm:cxnLst>
+    <dgm:cxn modelId="{76FA25BA-0C75-4FF1-A657-A64323C0D58A}" type="presOf" srcId="{9632FF1B-3DE6-4403-9DE1-39C4699BB735}" destId="{9B78B161-EF3F-4FF6-AB50-54752ED2BB14}" srcOrd="0" destOrd="0" presId="urn:microsoft.com/office/officeart/2005/8/layout/default"/>
     <dgm:cxn modelId="{1DE3F701-06EC-4199-9904-A57AD46B12E6}" srcId="{B1F26714-B680-42B4-A216-95C2F80E1E70}" destId="{39B30ACF-42AD-4DFA-82EE-7677243BB3B0}" srcOrd="0" destOrd="0" parTransId="{29E2D41E-8378-4F24-938F-9BF8843D7B08}" sibTransId="{5C9AC887-4F2F-441F-B125-46B3C24C3BB4}"/>
     <dgm:cxn modelId="{808F88B2-CA10-4F2A-A86E-F5776C526547}" type="presOf" srcId="{B1F26714-B680-42B4-A216-95C2F80E1E70}" destId="{665772C0-D4C4-467F-9DA5-E317E1D224B4}" srcOrd="0" destOrd="0" presId="urn:microsoft.com/office/officeart/2005/8/layout/default"/>
     <dgm:cxn modelId="{0359F176-9D4E-474D-94E7-495B161FE070}" type="presOf" srcId="{39B30ACF-42AD-4DFA-82EE-7677243BB3B0}" destId="{28E687EF-7692-495E-8177-D181E64BCF8C}" srcOrd="0" destOrd="0" presId="urn:microsoft.com/office/officeart/2005/8/layout/default"/>
+    <dgm:cxn modelId="{65AC412F-9E99-4F2C-8244-4F38B0C3E0F6}" type="presOf" srcId="{649B0365-DC29-41C2-8A0E-1F27E6431786}" destId="{8A99A2F2-B4B5-4655-A937-CA982B5E22C8}" srcOrd="0" destOrd="0" presId="urn:microsoft.com/office/officeart/2005/8/layout/default"/>
     <dgm:cxn modelId="{468A9842-D064-4559-9E66-A575FF9671B5}" srcId="{B1F26714-B680-42B4-A216-95C2F80E1E70}" destId="{9632FF1B-3DE6-4403-9DE1-39C4699BB735}" srcOrd="2" destOrd="0" parTransId="{70E2D724-AE41-42E6-B0DF-4DF4DBADB858}" sibTransId="{D14CB793-FE17-46E9-ACA6-1A1674CDACAA}"/>
-    <dgm:cxn modelId="{65AC412F-9E99-4F2C-8244-4F38B0C3E0F6}" type="presOf" srcId="{649B0365-DC29-41C2-8A0E-1F27E6431786}" destId="{8A99A2F2-B4B5-4655-A937-CA982B5E22C8}" srcOrd="0" destOrd="0" presId="urn:microsoft.com/office/officeart/2005/8/layout/default"/>
     <dgm:cxn modelId="{787D2FF5-DDC4-4CA6-A399-61F14DA2DDB5}" srcId="{B1F26714-B680-42B4-A216-95C2F80E1E70}" destId="{649B0365-DC29-41C2-8A0E-1F27E6431786}" srcOrd="1" destOrd="0" parTransId="{3BBC62B1-73BD-417A-ACBF-A96C834BF310}" sibTransId="{0F7829E8-1D0B-4E99-869B-8F6DFAD43427}"/>
-    <dgm:cxn modelId="{76FA25BA-0C75-4FF1-A657-A64323C0D58A}" type="presOf" srcId="{9632FF1B-3DE6-4403-9DE1-39C4699BB735}" destId="{9B78B161-EF3F-4FF6-AB50-54752ED2BB14}" srcOrd="0" destOrd="0" presId="urn:microsoft.com/office/officeart/2005/8/layout/default"/>
     <dgm:cxn modelId="{6D0D76EA-39F4-43D7-BB03-9CB27D33F164}" type="presParOf" srcId="{665772C0-D4C4-467F-9DA5-E317E1D224B4}" destId="{28E687EF-7692-495E-8177-D181E64BCF8C}" srcOrd="0" destOrd="0" presId="urn:microsoft.com/office/officeart/2005/8/layout/default"/>
     <dgm:cxn modelId="{129E3282-556D-4908-A1F5-F00984626AF1}" type="presParOf" srcId="{665772C0-D4C4-467F-9DA5-E317E1D224B4}" destId="{3972A792-79F0-4A3A-97DC-293DE9E702C7}" srcOrd="1" destOrd="0" presId="urn:microsoft.com/office/officeart/2005/8/layout/default"/>
     <dgm:cxn modelId="{F79D888A-F48E-486E-9020-A0112FD16028}" type="presParOf" srcId="{665772C0-D4C4-467F-9DA5-E317E1D224B4}" destId="{8A99A2F2-B4B5-4655-A937-CA982B5E22C8}" srcOrd="2" destOrd="0" presId="urn:microsoft.com/office/officeart/2005/8/layout/default"/>
@@ -2118,7 +2835,7 @@
 <dgm:dataModel xmlns:dgm="http://schemas.openxmlformats.org/drawingml/2006/diagram" xmlns:a="http://schemas.openxmlformats.org/drawingml/2006/main">
   <dgm:ptLst>
     <dgm:pt modelId="{922FBEDA-FAB1-4B48-AF9B-3DDC863ACA8B}" type="doc">
-      <dgm:prSet loTypeId="urn:microsoft.com/office/officeart/2005/8/layout/vList2" loCatId="list" qsTypeId="urn:microsoft.com/office/officeart/2005/8/quickstyle/simple1" qsCatId="simple" csTypeId="urn:microsoft.com/office/officeart/2005/8/colors/accent6_5" csCatId="accent6"/>
+      <dgm:prSet loTypeId="urn:microsoft.com/office/officeart/2005/8/layout/vList2" loCatId="list" qsTypeId="urn:microsoft.com/office/officeart/2005/8/quickstyle/simple1" qsCatId="simple" csTypeId="urn:microsoft.com/office/officeart/2005/8/colors/colorful2" csCatId="colorful" phldr="1"/>
       <dgm:spPr/>
       <dgm:t>
         <a:bodyPr/>
@@ -2137,7 +2854,7 @@
         <a:p>
           <a:pPr rtl="0"/>
           <a:r>
-            <a:rPr lang="en-US" dirty="0" smtClean="0">
+            <a:rPr lang="en-US" smtClean="0">
               <a:solidFill>
                 <a:schemeClr val="tx1"/>
               </a:solidFill>
@@ -2159,7 +2876,11 @@
         <a:bodyPr/>
         <a:lstStyle/>
         <a:p>
-          <a:endParaRPr lang="en-US"/>
+          <a:endParaRPr lang="en-US">
+            <a:solidFill>
+              <a:schemeClr val="tx1"/>
+            </a:solidFill>
+          </a:endParaRPr>
         </a:p>
       </dgm:t>
     </dgm:pt>
@@ -2170,7 +2891,11 @@
         <a:bodyPr/>
         <a:lstStyle/>
         <a:p>
-          <a:endParaRPr lang="en-US"/>
+          <a:endParaRPr lang="en-US">
+            <a:solidFill>
+              <a:schemeClr val="tx1"/>
+            </a:solidFill>
+          </a:endParaRPr>
         </a:p>
       </dgm:t>
     </dgm:pt>
@@ -2190,7 +2915,7 @@
             </a:rPr>
             <a:t>Internet connection is required.</a:t>
           </a:r>
-          <a:endParaRPr lang="en-MY">
+          <a:endParaRPr lang="en-MY" dirty="0">
             <a:solidFill>
               <a:schemeClr val="tx1"/>
             </a:solidFill>
@@ -2205,7 +2930,11 @@
         <a:bodyPr/>
         <a:lstStyle/>
         <a:p>
-          <a:endParaRPr lang="en-US"/>
+          <a:endParaRPr lang="en-US">
+            <a:solidFill>
+              <a:schemeClr val="tx1"/>
+            </a:solidFill>
+          </a:endParaRPr>
         </a:p>
       </dgm:t>
     </dgm:pt>
@@ -2216,7 +2945,119 @@
         <a:bodyPr/>
         <a:lstStyle/>
         <a:p>
-          <a:endParaRPr lang="en-US"/>
+          <a:endParaRPr lang="en-US">
+            <a:solidFill>
+              <a:schemeClr val="tx1"/>
+            </a:solidFill>
+          </a:endParaRPr>
+        </a:p>
+      </dgm:t>
+    </dgm:pt>
+    <dgm:pt modelId="{D59AE21E-97CD-4FE5-9D6A-09D0F27C4971}">
+      <dgm:prSet/>
+      <dgm:spPr/>
+      <dgm:t>
+        <a:bodyPr/>
+        <a:lstStyle/>
+        <a:p>
+          <a:pPr rtl="0"/>
+          <a:r>
+            <a:rPr lang="en-MY" dirty="0" smtClean="0">
+              <a:solidFill>
+                <a:schemeClr val="tx1"/>
+              </a:solidFill>
+            </a:rPr>
+            <a:t>Cannot track history from bedside system.</a:t>
+          </a:r>
+          <a:endParaRPr lang="en-MY" dirty="0">
+            <a:solidFill>
+              <a:schemeClr val="tx1"/>
+            </a:solidFill>
+          </a:endParaRPr>
+        </a:p>
+      </dgm:t>
+    </dgm:pt>
+    <dgm:pt modelId="{8D84A857-46F9-4BFB-9021-9053AC6922E5}" type="parTrans" cxnId="{324CE2F5-7A3B-4813-AF0A-D854119D76CA}">
+      <dgm:prSet/>
+      <dgm:spPr/>
+      <dgm:t>
+        <a:bodyPr/>
+        <a:lstStyle/>
+        <a:p>
+          <a:endParaRPr lang="en-US">
+            <a:solidFill>
+              <a:schemeClr val="tx1"/>
+            </a:solidFill>
+          </a:endParaRPr>
+        </a:p>
+      </dgm:t>
+    </dgm:pt>
+    <dgm:pt modelId="{118B71AF-DBCB-4286-8B5C-7B0003C071CA}" type="sibTrans" cxnId="{324CE2F5-7A3B-4813-AF0A-D854119D76CA}">
+      <dgm:prSet/>
+      <dgm:spPr/>
+      <dgm:t>
+        <a:bodyPr/>
+        <a:lstStyle/>
+        <a:p>
+          <a:endParaRPr lang="en-US">
+            <a:solidFill>
+              <a:schemeClr val="tx1"/>
+            </a:solidFill>
+          </a:endParaRPr>
+        </a:p>
+      </dgm:t>
+    </dgm:pt>
+    <dgm:pt modelId="{176BC753-075D-41AF-940C-AC6A129D8245}">
+      <dgm:prSet/>
+      <dgm:spPr/>
+      <dgm:t>
+        <a:bodyPr/>
+        <a:lstStyle/>
+        <a:p>
+          <a:pPr rtl="0"/>
+          <a:r>
+            <a:rPr lang="en-MY" dirty="0" smtClean="0">
+              <a:solidFill>
+                <a:schemeClr val="tx1"/>
+              </a:solidFill>
+            </a:rPr>
+            <a:t>Manager system cannot view multiple readings in a time when they run report</a:t>
+          </a:r>
+          <a:endParaRPr lang="en-MY" dirty="0">
+            <a:solidFill>
+              <a:schemeClr val="tx1"/>
+            </a:solidFill>
+          </a:endParaRPr>
+        </a:p>
+      </dgm:t>
+    </dgm:pt>
+    <dgm:pt modelId="{3F7567A2-35C3-44DE-9380-E17A393C403F}" type="parTrans" cxnId="{CFE51EA4-C88E-439C-9DBC-BFF230B9EF37}">
+      <dgm:prSet/>
+      <dgm:spPr/>
+      <dgm:t>
+        <a:bodyPr/>
+        <a:lstStyle/>
+        <a:p>
+          <a:endParaRPr lang="en-US">
+            <a:solidFill>
+              <a:schemeClr val="tx1"/>
+            </a:solidFill>
+          </a:endParaRPr>
+        </a:p>
+      </dgm:t>
+    </dgm:pt>
+    <dgm:pt modelId="{B2CD1F9A-4E90-4A8F-8F14-046D57A62E49}" type="sibTrans" cxnId="{CFE51EA4-C88E-439C-9DBC-BFF230B9EF37}">
+      <dgm:prSet/>
+      <dgm:spPr/>
+      <dgm:t>
+        <a:bodyPr/>
+        <a:lstStyle/>
+        <a:p>
+          <a:endParaRPr lang="en-US">
+            <a:solidFill>
+              <a:schemeClr val="tx1"/>
+            </a:solidFill>
+          </a:endParaRPr>
         </a:p>
       </dgm:t>
     </dgm:pt>
@@ -2228,39 +3069,341 @@
         </dgm:presLayoutVars>
       </dgm:prSet>
       <dgm:spPr/>
+      <dgm:t>
+        <a:bodyPr/>
+        <a:lstStyle/>
+        <a:p>
+          <a:endParaRPr lang="en-US"/>
+        </a:p>
+      </dgm:t>
     </dgm:pt>
     <dgm:pt modelId="{10F928FC-ADFF-4513-9D29-8387DDE1402F}" type="pres">
-      <dgm:prSet presAssocID="{3C957A78-4F34-4E6C-921D-AE8B922F1060}" presName="parentText" presStyleLbl="node1" presStyleIdx="0" presStyleCnt="2">
+      <dgm:prSet presAssocID="{3C957A78-4F34-4E6C-921D-AE8B922F1060}" presName="parentText" presStyleLbl="node1" presStyleIdx="0" presStyleCnt="4">
         <dgm:presLayoutVars>
           <dgm:chMax val="0"/>
           <dgm:bulletEnabled val="1"/>
         </dgm:presLayoutVars>
       </dgm:prSet>
       <dgm:spPr/>
+      <dgm:t>
+        <a:bodyPr/>
+        <a:lstStyle/>
+        <a:p>
+          <a:endParaRPr lang="en-US"/>
+        </a:p>
+      </dgm:t>
     </dgm:pt>
     <dgm:pt modelId="{35D055AA-BB8D-4EA9-9FAA-D7A28778013F}" type="pres">
       <dgm:prSet presAssocID="{B95DF871-CF71-4938-A61E-CD8DC1785F1C}" presName="spacer" presStyleCnt="0"/>
       <dgm:spPr/>
+      <dgm:t>
+        <a:bodyPr/>
+        <a:lstStyle/>
+        <a:p>
+          <a:endParaRPr lang="en-US"/>
+        </a:p>
+      </dgm:t>
     </dgm:pt>
     <dgm:pt modelId="{190A1C3C-EE65-4BFD-8457-58CAAF084E72}" type="pres">
-      <dgm:prSet presAssocID="{AB3B0CA9-0D65-45F8-B898-7A075A15F248}" presName="parentText" presStyleLbl="node1" presStyleIdx="1" presStyleCnt="2">
+      <dgm:prSet presAssocID="{AB3B0CA9-0D65-45F8-B898-7A075A15F248}" presName="parentText" presStyleLbl="node1" presStyleIdx="1" presStyleCnt="4">
         <dgm:presLayoutVars>
           <dgm:chMax val="0"/>
           <dgm:bulletEnabled val="1"/>
         </dgm:presLayoutVars>
       </dgm:prSet>
       <dgm:spPr/>
+      <dgm:t>
+        <a:bodyPr/>
+        <a:lstStyle/>
+        <a:p>
+          <a:endParaRPr lang="en-US"/>
+        </a:p>
+      </dgm:t>
+    </dgm:pt>
+    <dgm:pt modelId="{84A6A79E-1DDE-4BA9-97F2-44FA8A67C757}" type="pres">
+      <dgm:prSet presAssocID="{6BC6A125-2DC0-4602-9F3E-318ECE9F15BA}" presName="spacer" presStyleCnt="0"/>
+      <dgm:spPr/>
+      <dgm:t>
+        <a:bodyPr/>
+        <a:lstStyle/>
+        <a:p>
+          <a:endParaRPr lang="en-US"/>
+        </a:p>
+      </dgm:t>
+    </dgm:pt>
+    <dgm:pt modelId="{5DA9CA2F-AB72-4178-8C94-AC116747C4D1}" type="pres">
+      <dgm:prSet presAssocID="{D59AE21E-97CD-4FE5-9D6A-09D0F27C4971}" presName="parentText" presStyleLbl="node1" presStyleIdx="2" presStyleCnt="4">
+        <dgm:presLayoutVars>
+          <dgm:chMax val="0"/>
+          <dgm:bulletEnabled val="1"/>
+        </dgm:presLayoutVars>
+      </dgm:prSet>
+      <dgm:spPr/>
+      <dgm:t>
+        <a:bodyPr/>
+        <a:lstStyle/>
+        <a:p>
+          <a:endParaRPr lang="en-US"/>
+        </a:p>
+      </dgm:t>
+    </dgm:pt>
+    <dgm:pt modelId="{92E8D46C-340E-4EEE-B7EF-75AFAF0F12C7}" type="pres">
+      <dgm:prSet presAssocID="{118B71AF-DBCB-4286-8B5C-7B0003C071CA}" presName="spacer" presStyleCnt="0"/>
+      <dgm:spPr/>
+      <dgm:t>
+        <a:bodyPr/>
+        <a:lstStyle/>
+        <a:p>
+          <a:endParaRPr lang="en-US"/>
+        </a:p>
+      </dgm:t>
+    </dgm:pt>
+    <dgm:pt modelId="{6D8ADACA-34FC-40E8-AD5B-C60AFC6B2805}" type="pres">
+      <dgm:prSet presAssocID="{176BC753-075D-41AF-940C-AC6A129D8245}" presName="parentText" presStyleLbl="node1" presStyleIdx="3" presStyleCnt="4">
+        <dgm:presLayoutVars>
+          <dgm:chMax val="0"/>
+          <dgm:bulletEnabled val="1"/>
+        </dgm:presLayoutVars>
+      </dgm:prSet>
+      <dgm:spPr/>
+      <dgm:t>
+        <a:bodyPr/>
+        <a:lstStyle/>
+        <a:p>
+          <a:endParaRPr lang="en-US"/>
+        </a:p>
+      </dgm:t>
     </dgm:pt>
   </dgm:ptLst>
   <dgm:cxnLst>
+    <dgm:cxn modelId="{0754AFC7-4EAE-45C9-A8BD-6DA7F74A5EDC}" srcId="{922FBEDA-FAB1-4B48-AF9B-3DDC863ACA8B}" destId="{AB3B0CA9-0D65-45F8-B898-7A075A15F248}" srcOrd="1" destOrd="0" parTransId="{6C299DEF-BCA3-495E-92D4-48686AE2355A}" sibTransId="{6BC6A125-2DC0-4602-9F3E-318ECE9F15BA}"/>
     <dgm:cxn modelId="{B796FED9-7EC7-4E0A-B387-8D0CA892D668}" type="presOf" srcId="{922FBEDA-FAB1-4B48-AF9B-3DDC863ACA8B}" destId="{67512DC8-E110-4674-B592-83C849BEEE34}" srcOrd="0" destOrd="0" presId="urn:microsoft.com/office/officeart/2005/8/layout/vList2"/>
+    <dgm:cxn modelId="{30383DCB-7BC0-4D57-99AC-01957195ADD0}" type="presOf" srcId="{AB3B0CA9-0D65-45F8-B898-7A075A15F248}" destId="{190A1C3C-EE65-4BFD-8457-58CAAF084E72}" srcOrd="0" destOrd="0" presId="urn:microsoft.com/office/officeart/2005/8/layout/vList2"/>
+    <dgm:cxn modelId="{CFE51EA4-C88E-439C-9DBC-BFF230B9EF37}" srcId="{922FBEDA-FAB1-4B48-AF9B-3DDC863ACA8B}" destId="{176BC753-075D-41AF-940C-AC6A129D8245}" srcOrd="3" destOrd="0" parTransId="{3F7567A2-35C3-44DE-9380-E17A393C403F}" sibTransId="{B2CD1F9A-4E90-4A8F-8F14-046D57A62E49}"/>
+    <dgm:cxn modelId="{142C27A0-179C-437E-A184-F31D7556A45A}" type="presOf" srcId="{3C957A78-4F34-4E6C-921D-AE8B922F1060}" destId="{10F928FC-ADFF-4513-9D29-8387DDE1402F}" srcOrd="0" destOrd="0" presId="urn:microsoft.com/office/officeart/2005/8/layout/vList2"/>
     <dgm:cxn modelId="{C5F9C45B-DFAE-4C4A-AE2C-6E549F491C57}" srcId="{922FBEDA-FAB1-4B48-AF9B-3DDC863ACA8B}" destId="{3C957A78-4F34-4E6C-921D-AE8B922F1060}" srcOrd="0" destOrd="0" parTransId="{4BA7CE16-D349-44CE-BA1F-860238B7D15A}" sibTransId="{B95DF871-CF71-4938-A61E-CD8DC1785F1C}"/>
-    <dgm:cxn modelId="{0754AFC7-4EAE-45C9-A8BD-6DA7F74A5EDC}" srcId="{922FBEDA-FAB1-4B48-AF9B-3DDC863ACA8B}" destId="{AB3B0CA9-0D65-45F8-B898-7A075A15F248}" srcOrd="1" destOrd="0" parTransId="{6C299DEF-BCA3-495E-92D4-48686AE2355A}" sibTransId="{6BC6A125-2DC0-4602-9F3E-318ECE9F15BA}"/>
-    <dgm:cxn modelId="{142C27A0-179C-437E-A184-F31D7556A45A}" type="presOf" srcId="{3C957A78-4F34-4E6C-921D-AE8B922F1060}" destId="{10F928FC-ADFF-4513-9D29-8387DDE1402F}" srcOrd="0" destOrd="0" presId="urn:microsoft.com/office/officeart/2005/8/layout/vList2"/>
-    <dgm:cxn modelId="{30383DCB-7BC0-4D57-99AC-01957195ADD0}" type="presOf" srcId="{AB3B0CA9-0D65-45F8-B898-7A075A15F248}" destId="{190A1C3C-EE65-4BFD-8457-58CAAF084E72}" srcOrd="0" destOrd="0" presId="urn:microsoft.com/office/officeart/2005/8/layout/vList2"/>
+    <dgm:cxn modelId="{D0F9458F-0FB4-4C5A-B54F-C2F2CAB4BE19}" type="presOf" srcId="{D59AE21E-97CD-4FE5-9D6A-09D0F27C4971}" destId="{5DA9CA2F-AB72-4178-8C94-AC116747C4D1}" srcOrd="0" destOrd="0" presId="urn:microsoft.com/office/officeart/2005/8/layout/vList2"/>
+    <dgm:cxn modelId="{5CAE6DA3-1D4A-4F17-AE1E-4716A77929F4}" type="presOf" srcId="{176BC753-075D-41AF-940C-AC6A129D8245}" destId="{6D8ADACA-34FC-40E8-AD5B-C60AFC6B2805}" srcOrd="0" destOrd="0" presId="urn:microsoft.com/office/officeart/2005/8/layout/vList2"/>
+    <dgm:cxn modelId="{324CE2F5-7A3B-4813-AF0A-D854119D76CA}" srcId="{922FBEDA-FAB1-4B48-AF9B-3DDC863ACA8B}" destId="{D59AE21E-97CD-4FE5-9D6A-09D0F27C4971}" srcOrd="2" destOrd="0" parTransId="{8D84A857-46F9-4BFB-9021-9053AC6922E5}" sibTransId="{118B71AF-DBCB-4286-8B5C-7B0003C071CA}"/>
     <dgm:cxn modelId="{2ED9B8F1-91D4-4B60-932C-00603C5B2943}" type="presParOf" srcId="{67512DC8-E110-4674-B592-83C849BEEE34}" destId="{10F928FC-ADFF-4513-9D29-8387DDE1402F}" srcOrd="0" destOrd="0" presId="urn:microsoft.com/office/officeart/2005/8/layout/vList2"/>
     <dgm:cxn modelId="{FD05ACCF-EAC4-458F-BEFE-9BB4ECFEBDDC}" type="presParOf" srcId="{67512DC8-E110-4674-B592-83C849BEEE34}" destId="{35D055AA-BB8D-4EA9-9FAA-D7A28778013F}" srcOrd="1" destOrd="0" presId="urn:microsoft.com/office/officeart/2005/8/layout/vList2"/>
     <dgm:cxn modelId="{2ABF8D5A-BBB9-4F77-8509-AEFB62A38009}" type="presParOf" srcId="{67512DC8-E110-4674-B592-83C849BEEE34}" destId="{190A1C3C-EE65-4BFD-8457-58CAAF084E72}" srcOrd="2" destOrd="0" presId="urn:microsoft.com/office/officeart/2005/8/layout/vList2"/>
+    <dgm:cxn modelId="{727AF544-DA9B-4985-94EC-E49540F0339B}" type="presParOf" srcId="{67512DC8-E110-4674-B592-83C849BEEE34}" destId="{84A6A79E-1DDE-4BA9-97F2-44FA8A67C757}" srcOrd="3" destOrd="0" presId="urn:microsoft.com/office/officeart/2005/8/layout/vList2"/>
+    <dgm:cxn modelId="{BBC6F92D-1636-4575-B11F-9A0DE4E91966}" type="presParOf" srcId="{67512DC8-E110-4674-B592-83C849BEEE34}" destId="{5DA9CA2F-AB72-4178-8C94-AC116747C4D1}" srcOrd="4" destOrd="0" presId="urn:microsoft.com/office/officeart/2005/8/layout/vList2"/>
+    <dgm:cxn modelId="{FD206450-EB3B-4891-903B-CBC2D460D687}" type="presParOf" srcId="{67512DC8-E110-4674-B592-83C849BEEE34}" destId="{92E8D46C-340E-4EEE-B7EF-75AFAF0F12C7}" srcOrd="5" destOrd="0" presId="urn:microsoft.com/office/officeart/2005/8/layout/vList2"/>
+    <dgm:cxn modelId="{4643BF84-6AEA-4189-AB6D-FAFFC81B8D68}" type="presParOf" srcId="{67512DC8-E110-4674-B592-83C849BEEE34}" destId="{6D8ADACA-34FC-40E8-AD5B-C60AFC6B2805}" srcOrd="6" destOrd="0" presId="urn:microsoft.com/office/officeart/2005/8/layout/vList2"/>
+  </dgm:cxnLst>
+  <dgm:bg/>
+  <dgm:whole/>
+  <dgm:extLst>
+    <a:ext uri="http://schemas.microsoft.com/office/drawing/2008/diagram">
+      <dsp:dataModelExt xmlns:dsp="http://schemas.microsoft.com/office/drawing/2008/diagram" relId="rId6" minVer="http://schemas.openxmlformats.org/drawingml/2006/diagram"/>
+    </a:ext>
+  </dgm:extLst>
+</dgm:dataModel>
+</file>
+
+<file path=ppt/diagrams/data3.xml><?xml version="1.0" encoding="utf-8"?>
+<dgm:dataModel xmlns:dgm="http://schemas.openxmlformats.org/drawingml/2006/diagram" xmlns:a="http://schemas.openxmlformats.org/drawingml/2006/main">
+  <dgm:ptLst>
+    <dgm:pt modelId="{2069E62E-49A2-4292-A954-8AC37C3939AD}" type="doc">
+      <dgm:prSet loTypeId="urn:microsoft.com/office/officeart/2005/8/layout/hProcess11" loCatId="process" qsTypeId="urn:microsoft.com/office/officeart/2005/8/quickstyle/simple1" qsCatId="simple" csTypeId="urn:microsoft.com/office/officeart/2005/8/colors/colorful2" csCatId="colorful"/>
+      <dgm:spPr/>
+      <dgm:t>
+        <a:bodyPr/>
+        <a:lstStyle/>
+        <a:p>
+          <a:endParaRPr lang="en-US"/>
+        </a:p>
+      </dgm:t>
+    </dgm:pt>
+    <dgm:pt modelId="{9CB23D86-997B-4495-A44E-54ABADF93EA9}">
+      <dgm:prSet/>
+      <dgm:spPr/>
+      <dgm:t>
+        <a:bodyPr/>
+        <a:lstStyle/>
+        <a:p>
+          <a:pPr rtl="0"/>
+          <a:r>
+            <a:rPr lang="en-MY" dirty="0" smtClean="0">
+              <a:solidFill>
+                <a:schemeClr val="tx1"/>
+              </a:solidFill>
+            </a:rPr>
+            <a:t>User can use email to report system bug.</a:t>
+          </a:r>
+          <a:endParaRPr lang="en-MY" dirty="0">
+            <a:solidFill>
+              <a:schemeClr val="tx1"/>
+            </a:solidFill>
+          </a:endParaRPr>
+        </a:p>
+      </dgm:t>
+    </dgm:pt>
+    <dgm:pt modelId="{238C02E7-9F4C-45DF-8768-1956022883FC}" type="parTrans" cxnId="{5604A36C-3475-4193-9690-664FCAD9E9B8}">
+      <dgm:prSet/>
+      <dgm:spPr/>
+      <dgm:t>
+        <a:bodyPr/>
+        <a:lstStyle/>
+        <a:p>
+          <a:endParaRPr lang="en-US">
+            <a:solidFill>
+              <a:schemeClr val="tx1"/>
+            </a:solidFill>
+          </a:endParaRPr>
+        </a:p>
+      </dgm:t>
+    </dgm:pt>
+    <dgm:pt modelId="{2E506791-7E02-4FDA-9313-93CB8F9017DC}" type="sibTrans" cxnId="{5604A36C-3475-4193-9690-664FCAD9E9B8}">
+      <dgm:prSet/>
+      <dgm:spPr/>
+      <dgm:t>
+        <a:bodyPr/>
+        <a:lstStyle/>
+        <a:p>
+          <a:endParaRPr lang="en-US">
+            <a:solidFill>
+              <a:schemeClr val="tx1"/>
+            </a:solidFill>
+          </a:endParaRPr>
+        </a:p>
+      </dgm:t>
+    </dgm:pt>
+    <dgm:pt modelId="{CB43B5D1-612C-4A5B-AB07-0190E29C5803}">
+      <dgm:prSet/>
+      <dgm:spPr/>
+      <dgm:t>
+        <a:bodyPr/>
+        <a:lstStyle/>
+        <a:p>
+          <a:pPr rtl="0"/>
+          <a:r>
+            <a:rPr lang="en-MY" dirty="0" smtClean="0">
+              <a:solidFill>
+                <a:schemeClr val="tx1"/>
+              </a:solidFill>
+            </a:rPr>
+            <a:t>User can enter review for the system enhancement.</a:t>
+          </a:r>
+          <a:endParaRPr lang="en-MY" dirty="0">
+            <a:solidFill>
+              <a:schemeClr val="tx1"/>
+            </a:solidFill>
+          </a:endParaRPr>
+        </a:p>
+      </dgm:t>
+    </dgm:pt>
+    <dgm:pt modelId="{DCB5BDEF-3199-4778-9B92-B0892D6692ED}" type="parTrans" cxnId="{90C02067-FB12-45E3-872A-E5AF239C4D9D}">
+      <dgm:prSet/>
+      <dgm:spPr/>
+      <dgm:t>
+        <a:bodyPr/>
+        <a:lstStyle/>
+        <a:p>
+          <a:endParaRPr lang="en-US">
+            <a:solidFill>
+              <a:schemeClr val="tx1"/>
+            </a:solidFill>
+          </a:endParaRPr>
+        </a:p>
+      </dgm:t>
+    </dgm:pt>
+    <dgm:pt modelId="{7D99B6B3-DB3F-419E-8130-B6190C25E1EE}" type="sibTrans" cxnId="{90C02067-FB12-45E3-872A-E5AF239C4D9D}">
+      <dgm:prSet/>
+      <dgm:spPr/>
+      <dgm:t>
+        <a:bodyPr/>
+        <a:lstStyle/>
+        <a:p>
+          <a:endParaRPr lang="en-US">
+            <a:solidFill>
+              <a:schemeClr val="tx1"/>
+            </a:solidFill>
+          </a:endParaRPr>
+        </a:p>
+      </dgm:t>
+    </dgm:pt>
+    <dgm:pt modelId="{2334C8FA-E4D7-4874-B1B4-20D4EFC9248D}" type="pres">
+      <dgm:prSet presAssocID="{2069E62E-49A2-4292-A954-8AC37C3939AD}" presName="Name0" presStyleCnt="0">
+        <dgm:presLayoutVars>
+          <dgm:dir/>
+          <dgm:resizeHandles val="exact"/>
+        </dgm:presLayoutVars>
+      </dgm:prSet>
+      <dgm:spPr/>
+    </dgm:pt>
+    <dgm:pt modelId="{712A281A-AAE4-4E8A-BC01-124A0008C1FE}" type="pres">
+      <dgm:prSet presAssocID="{2069E62E-49A2-4292-A954-8AC37C3939AD}" presName="arrow" presStyleLbl="bgShp" presStyleIdx="0" presStyleCnt="1"/>
+      <dgm:spPr/>
+    </dgm:pt>
+    <dgm:pt modelId="{02B97A8B-55B4-462D-A02D-DD0CDD682348}" type="pres">
+      <dgm:prSet presAssocID="{2069E62E-49A2-4292-A954-8AC37C3939AD}" presName="points" presStyleCnt="0"/>
+      <dgm:spPr/>
+    </dgm:pt>
+    <dgm:pt modelId="{63BD1071-285C-4CCF-A4C9-86D17A4B51B3}" type="pres">
+      <dgm:prSet presAssocID="{9CB23D86-997B-4495-A44E-54ABADF93EA9}" presName="compositeA" presStyleCnt="0"/>
+      <dgm:spPr/>
+    </dgm:pt>
+    <dgm:pt modelId="{447DD8A5-3620-4B0E-915C-B5D45302CE10}" type="pres">
+      <dgm:prSet presAssocID="{9CB23D86-997B-4495-A44E-54ABADF93EA9}" presName="textA" presStyleLbl="revTx" presStyleIdx="0" presStyleCnt="2">
+        <dgm:presLayoutVars>
+          <dgm:bulletEnabled val="1"/>
+        </dgm:presLayoutVars>
+      </dgm:prSet>
+      <dgm:spPr/>
+    </dgm:pt>
+    <dgm:pt modelId="{070D1F0F-ECF0-41E9-84E1-E3298EA9F080}" type="pres">
+      <dgm:prSet presAssocID="{9CB23D86-997B-4495-A44E-54ABADF93EA9}" presName="circleA" presStyleLbl="node1" presStyleIdx="0" presStyleCnt="2"/>
+      <dgm:spPr/>
+    </dgm:pt>
+    <dgm:pt modelId="{69710C7D-76C3-4105-B6F2-9F9E4A81AE1F}" type="pres">
+      <dgm:prSet presAssocID="{9CB23D86-997B-4495-A44E-54ABADF93EA9}" presName="spaceA" presStyleCnt="0"/>
+      <dgm:spPr/>
+    </dgm:pt>
+    <dgm:pt modelId="{B30FDFD5-6360-4082-889D-4B2B7ACA2AE0}" type="pres">
+      <dgm:prSet presAssocID="{2E506791-7E02-4FDA-9313-93CB8F9017DC}" presName="space" presStyleCnt="0"/>
+      <dgm:spPr/>
+    </dgm:pt>
+    <dgm:pt modelId="{E91BB2A1-B95C-4383-95A7-F63364DF1966}" type="pres">
+      <dgm:prSet presAssocID="{CB43B5D1-612C-4A5B-AB07-0190E29C5803}" presName="compositeB" presStyleCnt="0"/>
+      <dgm:spPr/>
+    </dgm:pt>
+    <dgm:pt modelId="{8A6E33F0-031A-4F68-8DCE-58108565C211}" type="pres">
+      <dgm:prSet presAssocID="{CB43B5D1-612C-4A5B-AB07-0190E29C5803}" presName="textB" presStyleLbl="revTx" presStyleIdx="1" presStyleCnt="2">
+        <dgm:presLayoutVars>
+          <dgm:bulletEnabled val="1"/>
+        </dgm:presLayoutVars>
+      </dgm:prSet>
+      <dgm:spPr/>
+    </dgm:pt>
+    <dgm:pt modelId="{2C5CCF6E-0371-41F6-9277-E870176B9C46}" type="pres">
+      <dgm:prSet presAssocID="{CB43B5D1-612C-4A5B-AB07-0190E29C5803}" presName="circleB" presStyleLbl="node1" presStyleIdx="1" presStyleCnt="2"/>
+      <dgm:spPr/>
+    </dgm:pt>
+    <dgm:pt modelId="{2BE953DB-70FE-4832-AD0A-204E267BD477}" type="pres">
+      <dgm:prSet presAssocID="{CB43B5D1-612C-4A5B-AB07-0190E29C5803}" presName="spaceB" presStyleCnt="0"/>
+      <dgm:spPr/>
+    </dgm:pt>
+  </dgm:ptLst>
+  <dgm:cxnLst>
+    <dgm:cxn modelId="{C6B90780-353F-46EB-AF7C-A8C0C52DA1EB}" type="presOf" srcId="{2069E62E-49A2-4292-A954-8AC37C3939AD}" destId="{2334C8FA-E4D7-4874-B1B4-20D4EFC9248D}" srcOrd="0" destOrd="0" presId="urn:microsoft.com/office/officeart/2005/8/layout/hProcess11"/>
+    <dgm:cxn modelId="{5604A36C-3475-4193-9690-664FCAD9E9B8}" srcId="{2069E62E-49A2-4292-A954-8AC37C3939AD}" destId="{9CB23D86-997B-4495-A44E-54ABADF93EA9}" srcOrd="0" destOrd="0" parTransId="{238C02E7-9F4C-45DF-8768-1956022883FC}" sibTransId="{2E506791-7E02-4FDA-9313-93CB8F9017DC}"/>
+    <dgm:cxn modelId="{49F22847-9874-4A6B-B20E-2CF0EFCAB436}" type="presOf" srcId="{9CB23D86-997B-4495-A44E-54ABADF93EA9}" destId="{447DD8A5-3620-4B0E-915C-B5D45302CE10}" srcOrd="0" destOrd="0" presId="urn:microsoft.com/office/officeart/2005/8/layout/hProcess11"/>
+    <dgm:cxn modelId="{E555FADD-CA7B-4C77-8C93-22D24CFE6E93}" type="presOf" srcId="{CB43B5D1-612C-4A5B-AB07-0190E29C5803}" destId="{8A6E33F0-031A-4F68-8DCE-58108565C211}" srcOrd="0" destOrd="0" presId="urn:microsoft.com/office/officeart/2005/8/layout/hProcess11"/>
+    <dgm:cxn modelId="{90C02067-FB12-45E3-872A-E5AF239C4D9D}" srcId="{2069E62E-49A2-4292-A954-8AC37C3939AD}" destId="{CB43B5D1-612C-4A5B-AB07-0190E29C5803}" srcOrd="1" destOrd="0" parTransId="{DCB5BDEF-3199-4778-9B92-B0892D6692ED}" sibTransId="{7D99B6B3-DB3F-419E-8130-B6190C25E1EE}"/>
+    <dgm:cxn modelId="{693798EB-72E7-45EC-944C-2E3AFBAB5ECF}" type="presParOf" srcId="{2334C8FA-E4D7-4874-B1B4-20D4EFC9248D}" destId="{712A281A-AAE4-4E8A-BC01-124A0008C1FE}" srcOrd="0" destOrd="0" presId="urn:microsoft.com/office/officeart/2005/8/layout/hProcess11"/>
+    <dgm:cxn modelId="{7D5CA606-D7C3-43C8-B141-961E5EC5D03F}" type="presParOf" srcId="{2334C8FA-E4D7-4874-B1B4-20D4EFC9248D}" destId="{02B97A8B-55B4-462D-A02D-DD0CDD682348}" srcOrd="1" destOrd="0" presId="urn:microsoft.com/office/officeart/2005/8/layout/hProcess11"/>
+    <dgm:cxn modelId="{60FABED6-3DC1-4F15-B822-A9449FC5EA2B}" type="presParOf" srcId="{02B97A8B-55B4-462D-A02D-DD0CDD682348}" destId="{63BD1071-285C-4CCF-A4C9-86D17A4B51B3}" srcOrd="0" destOrd="0" presId="urn:microsoft.com/office/officeart/2005/8/layout/hProcess11"/>
+    <dgm:cxn modelId="{F62B7A5D-04DD-4938-9A21-10AC16289818}" type="presParOf" srcId="{63BD1071-285C-4CCF-A4C9-86D17A4B51B3}" destId="{447DD8A5-3620-4B0E-915C-B5D45302CE10}" srcOrd="0" destOrd="0" presId="urn:microsoft.com/office/officeart/2005/8/layout/hProcess11"/>
+    <dgm:cxn modelId="{5EA02B86-7407-4B7B-A401-79358CE5E1DE}" type="presParOf" srcId="{63BD1071-285C-4CCF-A4C9-86D17A4B51B3}" destId="{070D1F0F-ECF0-41E9-84E1-E3298EA9F080}" srcOrd="1" destOrd="0" presId="urn:microsoft.com/office/officeart/2005/8/layout/hProcess11"/>
+    <dgm:cxn modelId="{9D916A69-7927-44A9-8142-913D54B75A32}" type="presParOf" srcId="{63BD1071-285C-4CCF-A4C9-86D17A4B51B3}" destId="{69710C7D-76C3-4105-B6F2-9F9E4A81AE1F}" srcOrd="2" destOrd="0" presId="urn:microsoft.com/office/officeart/2005/8/layout/hProcess11"/>
+    <dgm:cxn modelId="{31563255-8E2C-40FD-ADDD-C9A760046040}" type="presParOf" srcId="{02B97A8B-55B4-462D-A02D-DD0CDD682348}" destId="{B30FDFD5-6360-4082-889D-4B2B7ACA2AE0}" srcOrd="1" destOrd="0" presId="urn:microsoft.com/office/officeart/2005/8/layout/hProcess11"/>
+    <dgm:cxn modelId="{E71725BE-D76C-4974-BDC1-A7A7F3B2233A}" type="presParOf" srcId="{02B97A8B-55B4-462D-A02D-DD0CDD682348}" destId="{E91BB2A1-B95C-4383-95A7-F63364DF1966}" srcOrd="2" destOrd="0" presId="urn:microsoft.com/office/officeart/2005/8/layout/hProcess11"/>
+    <dgm:cxn modelId="{471A8D4A-79DE-48A2-88E8-EA6D9A084EE7}" type="presParOf" srcId="{E91BB2A1-B95C-4383-95A7-F63364DF1966}" destId="{8A6E33F0-031A-4F68-8DCE-58108565C211}" srcOrd="0" destOrd="0" presId="urn:microsoft.com/office/officeart/2005/8/layout/hProcess11"/>
+    <dgm:cxn modelId="{9C29B0E8-16DC-4EF6-B006-0E01DC5682A2}" type="presParOf" srcId="{E91BB2A1-B95C-4383-95A7-F63364DF1966}" destId="{2C5CCF6E-0371-41F6-9277-E870176B9C46}" srcOrd="1" destOrd="0" presId="urn:microsoft.com/office/officeart/2005/8/layout/hProcess11"/>
+    <dgm:cxn modelId="{629DD15D-19E1-49D9-9E16-45B8F0993EBF}" type="presParOf" srcId="{E91BB2A1-B95C-4383-95A7-F63364DF1966}" destId="{2BE953DB-70FE-4832-AD0A-204E267BD477}" srcOrd="2" destOrd="0" presId="urn:microsoft.com/office/officeart/2005/8/layout/hProcess11"/>
   </dgm:cxnLst>
   <dgm:bg/>
   <dgm:whole/>
@@ -2557,15 +3700,14 @@
       </dsp:nvSpPr>
       <dsp:spPr>
         <a:xfrm>
-          <a:off x="0" y="36471"/>
-          <a:ext cx="7729728" cy="1474200"/>
+          <a:off x="0" y="1731"/>
+          <a:ext cx="7729728" cy="733590"/>
         </a:xfrm>
         <a:prstGeom prst="roundRect">
           <a:avLst/>
         </a:prstGeom>
         <a:solidFill>
-          <a:schemeClr val="accent6">
-            <a:alpha val="90000"/>
+          <a:schemeClr val="accent2">
             <a:hueOff val="0"/>
             <a:satOff val="0"/>
             <a:lumOff val="0"/>
@@ -2600,12 +3742,12 @@
         </a:fontRef>
       </dsp:style>
       <dsp:txBody>
-        <a:bodyPr spcFirstLastPara="0" vert="horz" wrap="square" lIns="106680" tIns="106680" rIns="106680" bIns="106680" numCol="1" spcCol="1270" anchor="ctr" anchorCtr="0">
+        <a:bodyPr spcFirstLastPara="0" vert="horz" wrap="square" lIns="72390" tIns="72390" rIns="72390" bIns="72390" numCol="1" spcCol="1270" anchor="ctr" anchorCtr="0">
           <a:noAutofit/>
         </a:bodyPr>
         <a:lstStyle/>
         <a:p>
-          <a:pPr lvl="0" algn="l" defTabSz="1244600" rtl="0">
+          <a:pPr lvl="0" algn="l" defTabSz="844550" rtl="0">
             <a:lnSpc>
               <a:spcPct val="90000"/>
             </a:lnSpc>
@@ -2617,14 +3759,14 @@
             </a:spcAft>
           </a:pPr>
           <a:r>
-            <a:rPr lang="en-US" sz="2800" kern="1200" dirty="0" smtClean="0">
+            <a:rPr lang="en-US" sz="1900" kern="1200" smtClean="0">
               <a:solidFill>
                 <a:schemeClr val="tx1"/>
               </a:solidFill>
             </a:rPr>
             <a:t>This Patient Monitoring System only covers four modules which are breathing rate, pulse rate, temperature and blood pressure.</a:t>
           </a:r>
-          <a:endParaRPr lang="en-MY" sz="2800" kern="1200" dirty="0">
+          <a:endParaRPr lang="en-MY" sz="1900" kern="1200" dirty="0">
             <a:solidFill>
               <a:schemeClr val="tx1"/>
             </a:solidFill>
@@ -2632,8 +3774,8 @@
         </a:p>
       </dsp:txBody>
       <dsp:txXfrm>
-        <a:off x="71965" y="108436"/>
-        <a:ext cx="7585798" cy="1330270"/>
+        <a:off x="35811" y="37542"/>
+        <a:ext cx="7658106" cy="661968"/>
       </dsp:txXfrm>
     </dsp:sp>
     <dsp:sp modelId="{190A1C3C-EE65-4BFD-8457-58CAAF084E72}">
@@ -2643,19 +3785,18 @@
       </dsp:nvSpPr>
       <dsp:spPr>
         <a:xfrm>
-          <a:off x="0" y="1591311"/>
-          <a:ext cx="7729728" cy="1474200"/>
+          <a:off x="0" y="790041"/>
+          <a:ext cx="7729728" cy="733590"/>
         </a:xfrm>
         <a:prstGeom prst="roundRect">
           <a:avLst/>
         </a:prstGeom>
         <a:solidFill>
-          <a:schemeClr val="accent6">
-            <a:alpha val="90000"/>
-            <a:hueOff val="0"/>
-            <a:satOff val="0"/>
-            <a:lumOff val="0"/>
-            <a:alphaOff val="-40000"/>
+          <a:schemeClr val="accent2">
+            <a:hueOff val="-3450629"/>
+            <a:satOff val="15286"/>
+            <a:lumOff val="-5621"/>
+            <a:alphaOff val="0"/>
           </a:schemeClr>
         </a:solidFill>
         <a:ln w="12700" cap="flat" cmpd="sng" algn="ctr">
@@ -2686,12 +3827,12 @@
         </a:fontRef>
       </dsp:style>
       <dsp:txBody>
-        <a:bodyPr spcFirstLastPara="0" vert="horz" wrap="square" lIns="106680" tIns="106680" rIns="106680" bIns="106680" numCol="1" spcCol="1270" anchor="ctr" anchorCtr="0">
+        <a:bodyPr spcFirstLastPara="0" vert="horz" wrap="square" lIns="72390" tIns="72390" rIns="72390" bIns="72390" numCol="1" spcCol="1270" anchor="ctr" anchorCtr="0">
           <a:noAutofit/>
         </a:bodyPr>
         <a:lstStyle/>
         <a:p>
-          <a:pPr lvl="0" algn="l" defTabSz="1244600" rtl="0">
+          <a:pPr lvl="0" algn="l" defTabSz="844550" rtl="0">
             <a:lnSpc>
               <a:spcPct val="90000"/>
             </a:lnSpc>
@@ -2703,14 +3844,14 @@
             </a:spcAft>
           </a:pPr>
           <a:r>
-            <a:rPr lang="en-US" sz="2800" kern="1200" smtClean="0">
+            <a:rPr lang="en-US" sz="1900" kern="1200" smtClean="0">
               <a:solidFill>
                 <a:schemeClr val="tx1"/>
               </a:solidFill>
             </a:rPr>
             <a:t>Internet connection is required.</a:t>
           </a:r>
-          <a:endParaRPr lang="en-MY" sz="2800" kern="1200">
+          <a:endParaRPr lang="en-MY" sz="1900" kern="1200" dirty="0">
             <a:solidFill>
               <a:schemeClr val="tx1"/>
             </a:solidFill>
@@ -2718,9 +3859,465 @@
         </a:p>
       </dsp:txBody>
       <dsp:txXfrm>
-        <a:off x="71965" y="1663276"/>
-        <a:ext cx="7585798" cy="1330270"/>
+        <a:off x="35811" y="825852"/>
+        <a:ext cx="7658106" cy="661968"/>
       </dsp:txXfrm>
+    </dsp:sp>
+    <dsp:sp modelId="{5DA9CA2F-AB72-4178-8C94-AC116747C4D1}">
+      <dsp:nvSpPr>
+        <dsp:cNvPr id="0" name=""/>
+        <dsp:cNvSpPr/>
+      </dsp:nvSpPr>
+      <dsp:spPr>
+        <a:xfrm>
+          <a:off x="0" y="1578351"/>
+          <a:ext cx="7729728" cy="733590"/>
+        </a:xfrm>
+        <a:prstGeom prst="roundRect">
+          <a:avLst/>
+        </a:prstGeom>
+        <a:solidFill>
+          <a:schemeClr val="accent2">
+            <a:hueOff val="-6901259"/>
+            <a:satOff val="30573"/>
+            <a:lumOff val="-11243"/>
+            <a:alphaOff val="0"/>
+          </a:schemeClr>
+        </a:solidFill>
+        <a:ln w="12700" cap="flat" cmpd="sng" algn="ctr">
+          <a:solidFill>
+            <a:schemeClr val="lt1">
+              <a:hueOff val="0"/>
+              <a:satOff val="0"/>
+              <a:lumOff val="0"/>
+              <a:alphaOff val="0"/>
+            </a:schemeClr>
+          </a:solidFill>
+          <a:prstDash val="solid"/>
+        </a:ln>
+        <a:effectLst/>
+      </dsp:spPr>
+      <dsp:style>
+        <a:lnRef idx="2">
+          <a:scrgbClr r="0" g="0" b="0"/>
+        </a:lnRef>
+        <a:fillRef idx="1">
+          <a:scrgbClr r="0" g="0" b="0"/>
+        </a:fillRef>
+        <a:effectRef idx="0">
+          <a:scrgbClr r="0" g="0" b="0"/>
+        </a:effectRef>
+        <a:fontRef idx="minor">
+          <a:schemeClr val="lt1"/>
+        </a:fontRef>
+      </dsp:style>
+      <dsp:txBody>
+        <a:bodyPr spcFirstLastPara="0" vert="horz" wrap="square" lIns="72390" tIns="72390" rIns="72390" bIns="72390" numCol="1" spcCol="1270" anchor="ctr" anchorCtr="0">
+          <a:noAutofit/>
+        </a:bodyPr>
+        <a:lstStyle/>
+        <a:p>
+          <a:pPr lvl="0" algn="l" defTabSz="844550" rtl="0">
+            <a:lnSpc>
+              <a:spcPct val="90000"/>
+            </a:lnSpc>
+            <a:spcBef>
+              <a:spcPct val="0"/>
+            </a:spcBef>
+            <a:spcAft>
+              <a:spcPct val="35000"/>
+            </a:spcAft>
+          </a:pPr>
+          <a:r>
+            <a:rPr lang="en-MY" sz="1900" kern="1200" dirty="0" smtClean="0">
+              <a:solidFill>
+                <a:schemeClr val="tx1"/>
+              </a:solidFill>
+            </a:rPr>
+            <a:t>Cannot track history from bedside system.</a:t>
+          </a:r>
+          <a:endParaRPr lang="en-MY" sz="1900" kern="1200" dirty="0">
+            <a:solidFill>
+              <a:schemeClr val="tx1"/>
+            </a:solidFill>
+          </a:endParaRPr>
+        </a:p>
+      </dsp:txBody>
+      <dsp:txXfrm>
+        <a:off x="35811" y="1614162"/>
+        <a:ext cx="7658106" cy="661968"/>
+      </dsp:txXfrm>
+    </dsp:sp>
+    <dsp:sp modelId="{6D8ADACA-34FC-40E8-AD5B-C60AFC6B2805}">
+      <dsp:nvSpPr>
+        <dsp:cNvPr id="0" name=""/>
+        <dsp:cNvSpPr/>
+      </dsp:nvSpPr>
+      <dsp:spPr>
+        <a:xfrm>
+          <a:off x="0" y="2366661"/>
+          <a:ext cx="7729728" cy="733590"/>
+        </a:xfrm>
+        <a:prstGeom prst="roundRect">
+          <a:avLst/>
+        </a:prstGeom>
+        <a:solidFill>
+          <a:schemeClr val="accent2">
+            <a:hueOff val="-10351888"/>
+            <a:satOff val="45859"/>
+            <a:lumOff val="-16864"/>
+            <a:alphaOff val="0"/>
+          </a:schemeClr>
+        </a:solidFill>
+        <a:ln w="12700" cap="flat" cmpd="sng" algn="ctr">
+          <a:solidFill>
+            <a:schemeClr val="lt1">
+              <a:hueOff val="0"/>
+              <a:satOff val="0"/>
+              <a:lumOff val="0"/>
+              <a:alphaOff val="0"/>
+            </a:schemeClr>
+          </a:solidFill>
+          <a:prstDash val="solid"/>
+        </a:ln>
+        <a:effectLst/>
+      </dsp:spPr>
+      <dsp:style>
+        <a:lnRef idx="2">
+          <a:scrgbClr r="0" g="0" b="0"/>
+        </a:lnRef>
+        <a:fillRef idx="1">
+          <a:scrgbClr r="0" g="0" b="0"/>
+        </a:fillRef>
+        <a:effectRef idx="0">
+          <a:scrgbClr r="0" g="0" b="0"/>
+        </a:effectRef>
+        <a:fontRef idx="minor">
+          <a:schemeClr val="lt1"/>
+        </a:fontRef>
+      </dsp:style>
+      <dsp:txBody>
+        <a:bodyPr spcFirstLastPara="0" vert="horz" wrap="square" lIns="72390" tIns="72390" rIns="72390" bIns="72390" numCol="1" spcCol="1270" anchor="ctr" anchorCtr="0">
+          <a:noAutofit/>
+        </a:bodyPr>
+        <a:lstStyle/>
+        <a:p>
+          <a:pPr lvl="0" algn="l" defTabSz="844550" rtl="0">
+            <a:lnSpc>
+              <a:spcPct val="90000"/>
+            </a:lnSpc>
+            <a:spcBef>
+              <a:spcPct val="0"/>
+            </a:spcBef>
+            <a:spcAft>
+              <a:spcPct val="35000"/>
+            </a:spcAft>
+          </a:pPr>
+          <a:r>
+            <a:rPr lang="en-MY" sz="1900" kern="1200" dirty="0" smtClean="0">
+              <a:solidFill>
+                <a:schemeClr val="tx1"/>
+              </a:solidFill>
+            </a:rPr>
+            <a:t>Manager system cannot view multiple readings in a time when they run report</a:t>
+          </a:r>
+          <a:endParaRPr lang="en-MY" sz="1900" kern="1200" dirty="0">
+            <a:solidFill>
+              <a:schemeClr val="tx1"/>
+            </a:solidFill>
+          </a:endParaRPr>
+        </a:p>
+      </dsp:txBody>
+      <dsp:txXfrm>
+        <a:off x="35811" y="2402472"/>
+        <a:ext cx="7658106" cy="661968"/>
+      </dsp:txXfrm>
+    </dsp:sp>
+  </dsp:spTree>
+</dsp:drawing>
+</file>
+
+<file path=ppt/diagrams/drawing3.xml><?xml version="1.0" encoding="utf-8"?>
+<dsp:drawing xmlns:dgm="http://schemas.openxmlformats.org/drawingml/2006/diagram" xmlns:dsp="http://schemas.microsoft.com/office/drawing/2008/diagram" xmlns:a="http://schemas.openxmlformats.org/drawingml/2006/main">
+  <dsp:spTree>
+    <dsp:nvGrpSpPr>
+      <dsp:cNvPr id="0" name=""/>
+      <dsp:cNvGrpSpPr/>
+    </dsp:nvGrpSpPr>
+    <dsp:grpSpPr/>
+    <dsp:sp modelId="{712A281A-AAE4-4E8A-BC01-124A0008C1FE}">
+      <dsp:nvSpPr>
+        <dsp:cNvPr id="0" name=""/>
+        <dsp:cNvSpPr/>
+      </dsp:nvSpPr>
+      <dsp:spPr>
+        <a:xfrm>
+          <a:off x="0" y="930594"/>
+          <a:ext cx="7729728" cy="1240793"/>
+        </a:xfrm>
+        <a:prstGeom prst="notchedRightArrow">
+          <a:avLst/>
+        </a:prstGeom>
+        <a:solidFill>
+          <a:schemeClr val="accent2">
+            <a:tint val="40000"/>
+            <a:hueOff val="0"/>
+            <a:satOff val="0"/>
+            <a:lumOff val="0"/>
+            <a:alphaOff val="0"/>
+          </a:schemeClr>
+        </a:solidFill>
+        <a:ln>
+          <a:noFill/>
+        </a:ln>
+        <a:effectLst/>
+      </dsp:spPr>
+      <dsp:style>
+        <a:lnRef idx="0">
+          <a:scrgbClr r="0" g="0" b="0"/>
+        </a:lnRef>
+        <a:fillRef idx="1">
+          <a:scrgbClr r="0" g="0" b="0"/>
+        </a:fillRef>
+        <a:effectRef idx="0">
+          <a:scrgbClr r="0" g="0" b="0"/>
+        </a:effectRef>
+        <a:fontRef idx="minor"/>
+      </dsp:style>
+    </dsp:sp>
+    <dsp:sp modelId="{447DD8A5-3620-4B0E-915C-B5D45302CE10}">
+      <dsp:nvSpPr>
+        <dsp:cNvPr id="0" name=""/>
+        <dsp:cNvSpPr/>
+      </dsp:nvSpPr>
+      <dsp:spPr>
+        <a:xfrm>
+          <a:off x="84" y="0"/>
+          <a:ext cx="3393456" cy="1240793"/>
+        </a:xfrm>
+        <a:prstGeom prst="rect">
+          <a:avLst/>
+        </a:prstGeom>
+        <a:noFill/>
+        <a:ln>
+          <a:noFill/>
+        </a:ln>
+        <a:effectLst/>
+      </dsp:spPr>
+      <dsp:style>
+        <a:lnRef idx="0">
+          <a:scrgbClr r="0" g="0" b="0"/>
+        </a:lnRef>
+        <a:fillRef idx="0">
+          <a:scrgbClr r="0" g="0" b="0"/>
+        </a:fillRef>
+        <a:effectRef idx="0">
+          <a:scrgbClr r="0" g="0" b="0"/>
+        </a:effectRef>
+        <a:fontRef idx="minor"/>
+      </dsp:style>
+      <dsp:txBody>
+        <a:bodyPr spcFirstLastPara="0" vert="horz" wrap="square" lIns="156464" tIns="156464" rIns="156464" bIns="156464" numCol="1" spcCol="1270" anchor="b" anchorCtr="0">
+          <a:noAutofit/>
+        </a:bodyPr>
+        <a:lstStyle/>
+        <a:p>
+          <a:pPr lvl="0" algn="ctr" defTabSz="977900" rtl="0">
+            <a:lnSpc>
+              <a:spcPct val="90000"/>
+            </a:lnSpc>
+            <a:spcBef>
+              <a:spcPct val="0"/>
+            </a:spcBef>
+            <a:spcAft>
+              <a:spcPct val="35000"/>
+            </a:spcAft>
+          </a:pPr>
+          <a:r>
+            <a:rPr lang="en-MY" sz="2200" kern="1200" dirty="0" smtClean="0">
+              <a:solidFill>
+                <a:schemeClr val="tx1"/>
+              </a:solidFill>
+            </a:rPr>
+            <a:t>User can use email to report system bug.</a:t>
+          </a:r>
+          <a:endParaRPr lang="en-MY" sz="2200" kern="1200" dirty="0">
+            <a:solidFill>
+              <a:schemeClr val="tx1"/>
+            </a:solidFill>
+          </a:endParaRPr>
+        </a:p>
+      </dsp:txBody>
+      <dsp:txXfrm>
+        <a:off x="84" y="0"/>
+        <a:ext cx="3393456" cy="1240793"/>
+      </dsp:txXfrm>
+    </dsp:sp>
+    <dsp:sp modelId="{070D1F0F-ECF0-41E9-84E1-E3298EA9F080}">
+      <dsp:nvSpPr>
+        <dsp:cNvPr id="0" name=""/>
+        <dsp:cNvSpPr/>
+      </dsp:nvSpPr>
+      <dsp:spPr>
+        <a:xfrm>
+          <a:off x="1541713" y="1395892"/>
+          <a:ext cx="310198" cy="310198"/>
+        </a:xfrm>
+        <a:prstGeom prst="ellipse">
+          <a:avLst/>
+        </a:prstGeom>
+        <a:solidFill>
+          <a:schemeClr val="accent2">
+            <a:hueOff val="0"/>
+            <a:satOff val="0"/>
+            <a:lumOff val="0"/>
+            <a:alphaOff val="0"/>
+          </a:schemeClr>
+        </a:solidFill>
+        <a:ln w="12700" cap="flat" cmpd="sng" algn="ctr">
+          <a:solidFill>
+            <a:schemeClr val="lt1">
+              <a:hueOff val="0"/>
+              <a:satOff val="0"/>
+              <a:lumOff val="0"/>
+              <a:alphaOff val="0"/>
+            </a:schemeClr>
+          </a:solidFill>
+          <a:prstDash val="solid"/>
+        </a:ln>
+        <a:effectLst/>
+      </dsp:spPr>
+      <dsp:style>
+        <a:lnRef idx="2">
+          <a:scrgbClr r="0" g="0" b="0"/>
+        </a:lnRef>
+        <a:fillRef idx="1">
+          <a:scrgbClr r="0" g="0" b="0"/>
+        </a:fillRef>
+        <a:effectRef idx="0">
+          <a:scrgbClr r="0" g="0" b="0"/>
+        </a:effectRef>
+        <a:fontRef idx="minor">
+          <a:schemeClr val="lt1"/>
+        </a:fontRef>
+      </dsp:style>
+    </dsp:sp>
+    <dsp:sp modelId="{8A6E33F0-031A-4F68-8DCE-58108565C211}">
+      <dsp:nvSpPr>
+        <dsp:cNvPr id="0" name=""/>
+        <dsp:cNvSpPr/>
+      </dsp:nvSpPr>
+      <dsp:spPr>
+        <a:xfrm>
+          <a:off x="3563214" y="1861189"/>
+          <a:ext cx="3393456" cy="1240793"/>
+        </a:xfrm>
+        <a:prstGeom prst="rect">
+          <a:avLst/>
+        </a:prstGeom>
+        <a:noFill/>
+        <a:ln>
+          <a:noFill/>
+        </a:ln>
+        <a:effectLst/>
+      </dsp:spPr>
+      <dsp:style>
+        <a:lnRef idx="0">
+          <a:scrgbClr r="0" g="0" b="0"/>
+        </a:lnRef>
+        <a:fillRef idx="0">
+          <a:scrgbClr r="0" g="0" b="0"/>
+        </a:fillRef>
+        <a:effectRef idx="0">
+          <a:scrgbClr r="0" g="0" b="0"/>
+        </a:effectRef>
+        <a:fontRef idx="minor"/>
+      </dsp:style>
+      <dsp:txBody>
+        <a:bodyPr spcFirstLastPara="0" vert="horz" wrap="square" lIns="156464" tIns="156464" rIns="156464" bIns="156464" numCol="1" spcCol="1270" anchor="t" anchorCtr="0">
+          <a:noAutofit/>
+        </a:bodyPr>
+        <a:lstStyle/>
+        <a:p>
+          <a:pPr lvl="0" algn="ctr" defTabSz="977900" rtl="0">
+            <a:lnSpc>
+              <a:spcPct val="90000"/>
+            </a:lnSpc>
+            <a:spcBef>
+              <a:spcPct val="0"/>
+            </a:spcBef>
+            <a:spcAft>
+              <a:spcPct val="35000"/>
+            </a:spcAft>
+          </a:pPr>
+          <a:r>
+            <a:rPr lang="en-MY" sz="2200" kern="1200" dirty="0" smtClean="0">
+              <a:solidFill>
+                <a:schemeClr val="tx1"/>
+              </a:solidFill>
+            </a:rPr>
+            <a:t>User can enter review for the system enhancement.</a:t>
+          </a:r>
+          <a:endParaRPr lang="en-MY" sz="2200" kern="1200" dirty="0">
+            <a:solidFill>
+              <a:schemeClr val="tx1"/>
+            </a:solidFill>
+          </a:endParaRPr>
+        </a:p>
+      </dsp:txBody>
+      <dsp:txXfrm>
+        <a:off x="3563214" y="1861189"/>
+        <a:ext cx="3393456" cy="1240793"/>
+      </dsp:txXfrm>
+    </dsp:sp>
+    <dsp:sp modelId="{2C5CCF6E-0371-41F6-9277-E870176B9C46}">
+      <dsp:nvSpPr>
+        <dsp:cNvPr id="0" name=""/>
+        <dsp:cNvSpPr/>
+      </dsp:nvSpPr>
+      <dsp:spPr>
+        <a:xfrm>
+          <a:off x="5104842" y="1395892"/>
+          <a:ext cx="310198" cy="310198"/>
+        </a:xfrm>
+        <a:prstGeom prst="ellipse">
+          <a:avLst/>
+        </a:prstGeom>
+        <a:solidFill>
+          <a:schemeClr val="accent2">
+            <a:hueOff val="-10351888"/>
+            <a:satOff val="45859"/>
+            <a:lumOff val="-16864"/>
+            <a:alphaOff val="0"/>
+          </a:schemeClr>
+        </a:solidFill>
+        <a:ln w="12700" cap="flat" cmpd="sng" algn="ctr">
+          <a:solidFill>
+            <a:schemeClr val="lt1">
+              <a:hueOff val="0"/>
+              <a:satOff val="0"/>
+              <a:lumOff val="0"/>
+              <a:alphaOff val="0"/>
+            </a:schemeClr>
+          </a:solidFill>
+          <a:prstDash val="solid"/>
+        </a:ln>
+        <a:effectLst/>
+      </dsp:spPr>
+      <dsp:style>
+        <a:lnRef idx="2">
+          <a:scrgbClr r="0" g="0" b="0"/>
+        </a:lnRef>
+        <a:fillRef idx="1">
+          <a:scrgbClr r="0" g="0" b="0"/>
+        </a:fillRef>
+        <a:effectRef idx="0">
+          <a:scrgbClr r="0" g="0" b="0"/>
+        </a:effectRef>
+        <a:fontRef idx="minor">
+          <a:schemeClr val="lt1"/>
+        </a:fontRef>
+      </dsp:style>
     </dsp:sp>
   </dsp:spTree>
 </dsp:drawing>
@@ -3040,6 +4637,278 @@
 </dgm:layoutDef>
 </file>
 
+<file path=ppt/diagrams/layout3.xml><?xml version="1.0" encoding="utf-8"?>
+<dgm:layoutDef xmlns:dgm="http://schemas.openxmlformats.org/drawingml/2006/diagram" xmlns:a="http://schemas.openxmlformats.org/drawingml/2006/main" uniqueId="urn:microsoft.com/office/officeart/2005/8/layout/hProcess11">
+  <dgm:title val=""/>
+  <dgm:desc val=""/>
+  <dgm:catLst>
+    <dgm:cat type="process" pri="8000"/>
+    <dgm:cat type="convert" pri="14000"/>
+  </dgm:catLst>
+  <dgm:sampData useDef="1">
+    <dgm:dataModel>
+      <dgm:ptLst/>
+      <dgm:bg/>
+      <dgm:whole/>
+    </dgm:dataModel>
+  </dgm:sampData>
+  <dgm:styleData>
+    <dgm:dataModel>
+      <dgm:ptLst>
+        <dgm:pt modelId="0" type="doc"/>
+        <dgm:pt modelId="1"/>
+        <dgm:pt modelId="2"/>
+      </dgm:ptLst>
+      <dgm:cxnLst>
+        <dgm:cxn modelId="4" srcId="0" destId="1" srcOrd="0" destOrd="0"/>
+        <dgm:cxn modelId="5" srcId="0" destId="2" srcOrd="1" destOrd="0"/>
+      </dgm:cxnLst>
+      <dgm:bg/>
+      <dgm:whole/>
+    </dgm:dataModel>
+  </dgm:styleData>
+  <dgm:clrData>
+    <dgm:dataModel>
+      <dgm:ptLst>
+        <dgm:pt modelId="0" type="doc"/>
+        <dgm:pt modelId="1"/>
+        <dgm:pt modelId="2"/>
+        <dgm:pt modelId="3"/>
+        <dgm:pt modelId="4"/>
+      </dgm:ptLst>
+      <dgm:cxnLst>
+        <dgm:cxn modelId="5" srcId="0" destId="1" srcOrd="0" destOrd="0"/>
+        <dgm:cxn modelId="6" srcId="0" destId="2" srcOrd="1" destOrd="0"/>
+        <dgm:cxn modelId="7" srcId="0" destId="3" srcOrd="2" destOrd="0"/>
+        <dgm:cxn modelId="8" srcId="0" destId="4" srcOrd="3" destOrd="0"/>
+      </dgm:cxnLst>
+      <dgm:bg/>
+      <dgm:whole/>
+    </dgm:dataModel>
+  </dgm:clrData>
+  <dgm:layoutNode name="Name0">
+    <dgm:varLst>
+      <dgm:dir/>
+      <dgm:resizeHandles val="exact"/>
+    </dgm:varLst>
+    <dgm:alg type="composite"/>
+    <dgm:shape xmlns:r="http://schemas.openxmlformats.org/officeDocument/2006/relationships" r:blip="">
+      <dgm:adjLst/>
+    </dgm:shape>
+    <dgm:presOf/>
+    <dgm:choose name="Name1">
+      <dgm:if name="Name2" func="var" arg="dir" op="equ" val="norm">
+        <dgm:constrLst>
+          <dgm:constr type="w" for="ch" forName="arrow" refType="w"/>
+          <dgm:constr type="h" for="ch" forName="arrow" refType="h" fact="0.4"/>
+          <dgm:constr type="ctrY" for="ch" forName="arrow" refType="h" fact="0.5"/>
+          <dgm:constr type="l" for="ch" forName="arrow"/>
+          <dgm:constr type="w" for="ch" forName="points" refType="w" fact="0.9"/>
+          <dgm:constr type="h" for="ch" forName="points" refType="h"/>
+          <dgm:constr type="t" for="ch" forName="points"/>
+          <dgm:constr type="l" for="ch" forName="points"/>
+        </dgm:constrLst>
+      </dgm:if>
+      <dgm:else name="Name3">
+        <dgm:constrLst>
+          <dgm:constr type="w" for="ch" forName="arrow" refType="w"/>
+          <dgm:constr type="h" for="ch" forName="arrow" refType="h" fact="0.4"/>
+          <dgm:constr type="ctrY" for="ch" forName="arrow" refType="h" fact="0.5"/>
+          <dgm:constr type="r" for="ch" forName="arrow" refType="w"/>
+          <dgm:constr type="w" for="ch" forName="points" refType="w" fact="0.9"/>
+          <dgm:constr type="h" for="ch" forName="points" refType="h"/>
+          <dgm:constr type="t" for="ch" forName="points"/>
+          <dgm:constr type="r" for="ch" forName="points" refType="w"/>
+        </dgm:constrLst>
+      </dgm:else>
+    </dgm:choose>
+    <dgm:ruleLst/>
+    <dgm:layoutNode name="arrow" styleLbl="bgShp">
+      <dgm:alg type="sp"/>
+      <dgm:choose name="Name4">
+        <dgm:if name="Name5" func="var" arg="dir" op="equ" val="norm">
+          <dgm:shape xmlns:r="http://schemas.openxmlformats.org/officeDocument/2006/relationships" type="notchedRightArrow" r:blip="">
+            <dgm:adjLst/>
+          </dgm:shape>
+        </dgm:if>
+        <dgm:else name="Name6">
+          <dgm:shape xmlns:r="http://schemas.openxmlformats.org/officeDocument/2006/relationships" rot="180" type="notchedRightArrow" r:blip="">
+            <dgm:adjLst/>
+          </dgm:shape>
+        </dgm:else>
+      </dgm:choose>
+      <dgm:presOf/>
+      <dgm:constrLst/>
+      <dgm:ruleLst/>
+    </dgm:layoutNode>
+    <dgm:layoutNode name="points">
+      <dgm:choose name="Name7">
+        <dgm:if name="Name8" func="var" arg="dir" op="equ" val="norm">
+          <dgm:alg type="lin">
+            <dgm:param type="linDir" val="fromL"/>
+          </dgm:alg>
+        </dgm:if>
+        <dgm:else name="Name9">
+          <dgm:alg type="lin">
+            <dgm:param type="linDir" val="fromR"/>
+          </dgm:alg>
+        </dgm:else>
+      </dgm:choose>
+      <dgm:shape xmlns:r="http://schemas.openxmlformats.org/officeDocument/2006/relationships" r:blip="">
+        <dgm:adjLst/>
+      </dgm:shape>
+      <dgm:presOf/>
+      <dgm:constrLst>
+        <dgm:constr type="w" for="ch" forName="compositeA" refType="w"/>
+        <dgm:constr type="h" for="ch" forName="compositeA" refType="h"/>
+        <dgm:constr type="w" for="ch" forName="compositeB" refType="w" refFor="ch" refForName="compositeA" op="equ"/>
+        <dgm:constr type="h" for="ch" forName="compositeB" refType="h" refFor="ch" refForName="compositeA" op="equ"/>
+        <dgm:constr type="primFontSz" for="des" ptType="node" op="equ" val="65"/>
+        <dgm:constr type="w" for="ch" forName="space" refType="w" refFor="ch" refForName="compositeA" op="equ" fact="0.05"/>
+      </dgm:constrLst>
+      <dgm:ruleLst/>
+      <dgm:forEach name="Name10" axis="ch" ptType="node">
+        <dgm:choose name="Name11">
+          <dgm:if name="Name12" axis="self" ptType="node" func="posOdd" op="equ" val="1">
+            <dgm:layoutNode name="compositeA">
+              <dgm:alg type="composite"/>
+              <dgm:shape xmlns:r="http://schemas.openxmlformats.org/officeDocument/2006/relationships" r:blip="">
+                <dgm:adjLst/>
+              </dgm:shape>
+              <dgm:presOf/>
+              <dgm:constrLst>
+                <dgm:constr type="w" for="ch" forName="textA" refType="w"/>
+                <dgm:constr type="h" for="ch" forName="textA" refType="h" fact="0.4"/>
+                <dgm:constr type="t" for="ch" forName="textA"/>
+                <dgm:constr type="l" for="ch" forName="textA"/>
+                <dgm:constr type="h" for="ch" forName="circleA" refType="h" fact="0.1"/>
+                <dgm:constr type="h" for="ch" forName="circleA" refType="w" op="lte"/>
+                <dgm:constr type="w" for="ch" forName="circleA" refType="h" refFor="ch" refForName="circleA" op="equ"/>
+                <dgm:constr type="ctrY" for="ch" forName="circleA" refType="h" fact="0.5"/>
+                <dgm:constr type="ctrX" for="ch" forName="circleA" refType="w" refFor="ch" refForName="textA" fact="0.5"/>
+                <dgm:constr type="w" for="ch" forName="spaceA" refType="w"/>
+                <dgm:constr type="h" for="ch" forName="spaceA" refType="h" fact="0.4"/>
+                <dgm:constr type="b" for="ch" forName="spaceA" refType="h"/>
+                <dgm:constr type="l" for="ch" forName="spaceA"/>
+              </dgm:constrLst>
+              <dgm:ruleLst/>
+              <dgm:layoutNode name="textA" styleLbl="revTx">
+                <dgm:varLst>
+                  <dgm:bulletEnabled val="1"/>
+                </dgm:varLst>
+                <dgm:alg type="tx">
+                  <dgm:param type="txAnchorVert" val="b"/>
+                  <dgm:param type="txAnchorVertCh" val="b"/>
+                  <dgm:param type="txAnchorHorzCh" val="ctr"/>
+                </dgm:alg>
+                <dgm:shape xmlns:r="http://schemas.openxmlformats.org/officeDocument/2006/relationships" type="rect" r:blip="">
+                  <dgm:adjLst/>
+                </dgm:shape>
+                <dgm:presOf axis="desOrSelf" ptType="node"/>
+                <dgm:constrLst/>
+                <dgm:ruleLst>
+                  <dgm:rule type="primFontSz" val="5" fact="NaN" max="NaN"/>
+                </dgm:ruleLst>
+              </dgm:layoutNode>
+              <dgm:layoutNode name="circleA">
+                <dgm:alg type="sp"/>
+                <dgm:shape xmlns:r="http://schemas.openxmlformats.org/officeDocument/2006/relationships" type="ellipse" r:blip="">
+                  <dgm:adjLst/>
+                </dgm:shape>
+                <dgm:presOf/>
+                <dgm:constrLst/>
+                <dgm:ruleLst/>
+              </dgm:layoutNode>
+              <dgm:layoutNode name="spaceA">
+                <dgm:alg type="sp"/>
+                <dgm:shape xmlns:r="http://schemas.openxmlformats.org/officeDocument/2006/relationships" r:blip="">
+                  <dgm:adjLst/>
+                </dgm:shape>
+                <dgm:presOf/>
+                <dgm:constrLst/>
+                <dgm:ruleLst/>
+              </dgm:layoutNode>
+            </dgm:layoutNode>
+          </dgm:if>
+          <dgm:else name="Name13">
+            <dgm:layoutNode name="compositeB">
+              <dgm:alg type="composite"/>
+              <dgm:shape xmlns:r="http://schemas.openxmlformats.org/officeDocument/2006/relationships" r:blip="">
+                <dgm:adjLst/>
+              </dgm:shape>
+              <dgm:presOf/>
+              <dgm:constrLst>
+                <dgm:constr type="w" for="ch" forName="textB" refType="w"/>
+                <dgm:constr type="h" for="ch" forName="textB" refType="h" fact="0.4"/>
+                <dgm:constr type="b" for="ch" forName="textB" refType="h"/>
+                <dgm:constr type="l" for="ch" forName="textB"/>
+                <dgm:constr type="h" for="ch" forName="circleB" refType="h" fact="0.1"/>
+                <dgm:constr type="w" for="ch" forName="circleB" refType="h" refFor="ch" refForName="circleB" op="equ"/>
+                <dgm:constr type="h" for="ch" forName="circleB" refType="w" op="lte"/>
+                <dgm:constr type="ctrY" for="ch" forName="circleB" refType="h" fact="0.5"/>
+                <dgm:constr type="ctrX" for="ch" forName="circleB" refType="w" refFor="ch" refForName="textB" fact="0.5"/>
+                <dgm:constr type="w" for="ch" forName="spaceB" refType="w"/>
+                <dgm:constr type="h" for="ch" forName="spaceB" refType="h" fact="0.4"/>
+                <dgm:constr type="t" for="ch" forName="spaceB"/>
+                <dgm:constr type="l" for="ch" forName="spaceB"/>
+              </dgm:constrLst>
+              <dgm:ruleLst/>
+              <dgm:layoutNode name="textB" styleLbl="revTx">
+                <dgm:varLst>
+                  <dgm:bulletEnabled val="1"/>
+                </dgm:varLst>
+                <dgm:alg type="tx">
+                  <dgm:param type="txAnchorVert" val="t"/>
+                  <dgm:param type="txAnchorVertCh" val="t"/>
+                  <dgm:param type="txAnchorHorzCh" val="ctr"/>
+                </dgm:alg>
+                <dgm:shape xmlns:r="http://schemas.openxmlformats.org/officeDocument/2006/relationships" type="rect" r:blip="">
+                  <dgm:adjLst/>
+                </dgm:shape>
+                <dgm:presOf axis="desOrSelf" ptType="node"/>
+                <dgm:constrLst/>
+                <dgm:ruleLst>
+                  <dgm:rule type="primFontSz" val="5" fact="NaN" max="NaN"/>
+                </dgm:ruleLst>
+              </dgm:layoutNode>
+              <dgm:layoutNode name="circleB">
+                <dgm:alg type="sp"/>
+                <dgm:shape xmlns:r="http://schemas.openxmlformats.org/officeDocument/2006/relationships" type="ellipse" r:blip="">
+                  <dgm:adjLst/>
+                </dgm:shape>
+                <dgm:presOf/>
+                <dgm:constrLst/>
+                <dgm:ruleLst/>
+              </dgm:layoutNode>
+              <dgm:layoutNode name="spaceB">
+                <dgm:alg type="sp"/>
+                <dgm:shape xmlns:r="http://schemas.openxmlformats.org/officeDocument/2006/relationships" r:blip="">
+                  <dgm:adjLst/>
+                </dgm:shape>
+                <dgm:presOf/>
+                <dgm:constrLst/>
+                <dgm:ruleLst/>
+              </dgm:layoutNode>
+            </dgm:layoutNode>
+          </dgm:else>
+        </dgm:choose>
+        <dgm:forEach name="Name14" axis="followSib" ptType="sibTrans" cnt="1">
+          <dgm:layoutNode name="space">
+            <dgm:alg type="sp"/>
+            <dgm:shape xmlns:r="http://schemas.openxmlformats.org/officeDocument/2006/relationships" r:blip="">
+              <dgm:adjLst/>
+            </dgm:shape>
+            <dgm:presOf/>
+            <dgm:constrLst/>
+            <dgm:ruleLst/>
+          </dgm:layoutNode>
+        </dgm:forEach>
+      </dgm:forEach>
+    </dgm:layoutNode>
+  </dgm:layoutNode>
+</dgm:layoutDef>
+</file>
+
 <file path=ppt/diagrams/quickStyle1.xml><?xml version="1.0" encoding="utf-8"?>
 <dgm:styleDef xmlns:dgm="http://schemas.openxmlformats.org/drawingml/2006/diagram" xmlns:a="http://schemas.openxmlformats.org/drawingml/2006/main" uniqueId="urn:microsoft.com/office/officeart/2005/8/quickstyle/simple1">
   <dgm:title val=""/>
@@ -4075,6 +5944,1040 @@
 </file>
 
 <file path=ppt/diagrams/quickStyle2.xml><?xml version="1.0" encoding="utf-8"?>
+<dgm:styleDef xmlns:dgm="http://schemas.openxmlformats.org/drawingml/2006/diagram" xmlns:a="http://schemas.openxmlformats.org/drawingml/2006/main" uniqueId="urn:microsoft.com/office/officeart/2005/8/quickstyle/simple1">
+  <dgm:title val=""/>
+  <dgm:desc val=""/>
+  <dgm:catLst>
+    <dgm:cat type="simple" pri="10100"/>
+  </dgm:catLst>
+  <dgm:scene3d>
+    <a:camera prst="orthographicFront"/>
+    <a:lightRig rig="threePt" dir="t"/>
+  </dgm:scene3d>
+  <dgm:styleLbl name="node0">
+    <dgm:scene3d>
+      <a:camera prst="orthographicFront"/>
+      <a:lightRig rig="threePt" dir="t"/>
+    </dgm:scene3d>
+    <dgm:sp3d/>
+    <dgm:txPr/>
+    <dgm:style>
+      <a:lnRef idx="2">
+        <a:scrgbClr r="0" g="0" b="0"/>
+      </a:lnRef>
+      <a:fillRef idx="1">
+        <a:scrgbClr r="0" g="0" b="0"/>
+      </a:fillRef>
+      <a:effectRef idx="0">
+        <a:scrgbClr r="0" g="0" b="0"/>
+      </a:effectRef>
+      <a:fontRef idx="minor">
+        <a:schemeClr val="lt1"/>
+      </a:fontRef>
+    </dgm:style>
+  </dgm:styleLbl>
+  <dgm:styleLbl name="lnNode1">
+    <dgm:scene3d>
+      <a:camera prst="orthographicFront"/>
+      <a:lightRig rig="threePt" dir="t"/>
+    </dgm:scene3d>
+    <dgm:sp3d/>
+    <dgm:txPr/>
+    <dgm:style>
+      <a:lnRef idx="2">
+        <a:scrgbClr r="0" g="0" b="0"/>
+      </a:lnRef>
+      <a:fillRef idx="1">
+        <a:scrgbClr r="0" g="0" b="0"/>
+      </a:fillRef>
+      <a:effectRef idx="0">
+        <a:scrgbClr r="0" g="0" b="0"/>
+      </a:effectRef>
+      <a:fontRef idx="minor">
+        <a:schemeClr val="lt1"/>
+      </a:fontRef>
+    </dgm:style>
+  </dgm:styleLbl>
+  <dgm:styleLbl name="vennNode1">
+    <dgm:scene3d>
+      <a:camera prst="orthographicFront"/>
+      <a:lightRig rig="threePt" dir="t"/>
+    </dgm:scene3d>
+    <dgm:sp3d/>
+    <dgm:txPr/>
+    <dgm:style>
+      <a:lnRef idx="2">
+        <a:scrgbClr r="0" g="0" b="0"/>
+      </a:lnRef>
+      <a:fillRef idx="1">
+        <a:scrgbClr r="0" g="0" b="0"/>
+      </a:fillRef>
+      <a:effectRef idx="0">
+        <a:scrgbClr r="0" g="0" b="0"/>
+      </a:effectRef>
+      <a:fontRef idx="minor">
+        <a:schemeClr val="tx1"/>
+      </a:fontRef>
+    </dgm:style>
+  </dgm:styleLbl>
+  <dgm:styleLbl name="alignNode1">
+    <dgm:scene3d>
+      <a:camera prst="orthographicFront"/>
+      <a:lightRig rig="threePt" dir="t"/>
+    </dgm:scene3d>
+    <dgm:sp3d/>
+    <dgm:txPr/>
+    <dgm:style>
+      <a:lnRef idx="2">
+        <a:scrgbClr r="0" g="0" b="0"/>
+      </a:lnRef>
+      <a:fillRef idx="1">
+        <a:scrgbClr r="0" g="0" b="0"/>
+      </a:fillRef>
+      <a:effectRef idx="0">
+        <a:scrgbClr r="0" g="0" b="0"/>
+      </a:effectRef>
+      <a:fontRef idx="minor">
+        <a:schemeClr val="lt1"/>
+      </a:fontRef>
+    </dgm:style>
+  </dgm:styleLbl>
+  <dgm:styleLbl name="node1">
+    <dgm:scene3d>
+      <a:camera prst="orthographicFront"/>
+      <a:lightRig rig="threePt" dir="t"/>
+    </dgm:scene3d>
+    <dgm:sp3d/>
+    <dgm:txPr/>
+    <dgm:style>
+      <a:lnRef idx="2">
+        <a:scrgbClr r="0" g="0" b="0"/>
+      </a:lnRef>
+      <a:fillRef idx="1">
+        <a:scrgbClr r="0" g="0" b="0"/>
+      </a:fillRef>
+      <a:effectRef idx="0">
+        <a:scrgbClr r="0" g="0" b="0"/>
+      </a:effectRef>
+      <a:fontRef idx="minor">
+        <a:schemeClr val="lt1"/>
+      </a:fontRef>
+    </dgm:style>
+  </dgm:styleLbl>
+  <dgm:styleLbl name="node2">
+    <dgm:scene3d>
+      <a:camera prst="orthographicFront"/>
+      <a:lightRig rig="threePt" dir="t"/>
+    </dgm:scene3d>
+    <dgm:sp3d/>
+    <dgm:txPr/>
+    <dgm:style>
+      <a:lnRef idx="2">
+        <a:scrgbClr r="0" g="0" b="0"/>
+      </a:lnRef>
+      <a:fillRef idx="1">
+        <a:scrgbClr r="0" g="0" b="0"/>
+      </a:fillRef>
+      <a:effectRef idx="0">
+        <a:scrgbClr r="0" g="0" b="0"/>
+      </a:effectRef>
+      <a:fontRef idx="minor">
+        <a:schemeClr val="lt1"/>
+      </a:fontRef>
+    </dgm:style>
+  </dgm:styleLbl>
+  <dgm:styleLbl name="node3">
+    <dgm:scene3d>
+      <a:camera prst="orthographicFront"/>
+      <a:lightRig rig="threePt" dir="t"/>
+    </dgm:scene3d>
+    <dgm:sp3d/>
+    <dgm:txPr/>
+    <dgm:style>
+      <a:lnRef idx="2">
+        <a:scrgbClr r="0" g="0" b="0"/>
+      </a:lnRef>
+      <a:fillRef idx="1">
+        <a:scrgbClr r="0" g="0" b="0"/>
+      </a:fillRef>
+      <a:effectRef idx="0">
+        <a:scrgbClr r="0" g="0" b="0"/>
+      </a:effectRef>
+      <a:fontRef idx="minor">
+        <a:schemeClr val="lt1"/>
+      </a:fontRef>
+    </dgm:style>
+  </dgm:styleLbl>
+  <dgm:styleLbl name="node4">
+    <dgm:scene3d>
+      <a:camera prst="orthographicFront"/>
+      <a:lightRig rig="threePt" dir="t"/>
+    </dgm:scene3d>
+    <dgm:sp3d/>
+    <dgm:txPr/>
+    <dgm:style>
+      <a:lnRef idx="2">
+        <a:scrgbClr r="0" g="0" b="0"/>
+      </a:lnRef>
+      <a:fillRef idx="1">
+        <a:scrgbClr r="0" g="0" b="0"/>
+      </a:fillRef>
+      <a:effectRef idx="0">
+        <a:scrgbClr r="0" g="0" b="0"/>
+      </a:effectRef>
+      <a:fontRef idx="minor">
+        <a:schemeClr val="lt1"/>
+      </a:fontRef>
+    </dgm:style>
+  </dgm:styleLbl>
+  <dgm:styleLbl name="fgImgPlace1">
+    <dgm:scene3d>
+      <a:camera prst="orthographicFront"/>
+      <a:lightRig rig="threePt" dir="t"/>
+    </dgm:scene3d>
+    <dgm:sp3d/>
+    <dgm:txPr/>
+    <dgm:style>
+      <a:lnRef idx="2">
+        <a:scrgbClr r="0" g="0" b="0"/>
+      </a:lnRef>
+      <a:fillRef idx="1">
+        <a:scrgbClr r="0" g="0" b="0"/>
+      </a:fillRef>
+      <a:effectRef idx="0">
+        <a:scrgbClr r="0" g="0" b="0"/>
+      </a:effectRef>
+      <a:fontRef idx="minor"/>
+    </dgm:style>
+  </dgm:styleLbl>
+  <dgm:styleLbl name="alignImgPlace1">
+    <dgm:scene3d>
+      <a:camera prst="orthographicFront"/>
+      <a:lightRig rig="threePt" dir="t"/>
+    </dgm:scene3d>
+    <dgm:sp3d/>
+    <dgm:txPr/>
+    <dgm:style>
+      <a:lnRef idx="2">
+        <a:scrgbClr r="0" g="0" b="0"/>
+      </a:lnRef>
+      <a:fillRef idx="1">
+        <a:scrgbClr r="0" g="0" b="0"/>
+      </a:fillRef>
+      <a:effectRef idx="0">
+        <a:scrgbClr r="0" g="0" b="0"/>
+      </a:effectRef>
+      <a:fontRef idx="minor"/>
+    </dgm:style>
+  </dgm:styleLbl>
+  <dgm:styleLbl name="bgImgPlace1">
+    <dgm:scene3d>
+      <a:camera prst="orthographicFront"/>
+      <a:lightRig rig="threePt" dir="t"/>
+    </dgm:scene3d>
+    <dgm:sp3d/>
+    <dgm:txPr/>
+    <dgm:style>
+      <a:lnRef idx="2">
+        <a:scrgbClr r="0" g="0" b="0"/>
+      </a:lnRef>
+      <a:fillRef idx="1">
+        <a:scrgbClr r="0" g="0" b="0"/>
+      </a:fillRef>
+      <a:effectRef idx="0">
+        <a:scrgbClr r="0" g="0" b="0"/>
+      </a:effectRef>
+      <a:fontRef idx="minor"/>
+    </dgm:style>
+  </dgm:styleLbl>
+  <dgm:styleLbl name="sibTrans2D1">
+    <dgm:scene3d>
+      <a:camera prst="orthographicFront"/>
+      <a:lightRig rig="threePt" dir="t"/>
+    </dgm:scene3d>
+    <dgm:sp3d/>
+    <dgm:txPr/>
+    <dgm:style>
+      <a:lnRef idx="0">
+        <a:scrgbClr r="0" g="0" b="0"/>
+      </a:lnRef>
+      <a:fillRef idx="1">
+        <a:scrgbClr r="0" g="0" b="0"/>
+      </a:fillRef>
+      <a:effectRef idx="0">
+        <a:scrgbClr r="0" g="0" b="0"/>
+      </a:effectRef>
+      <a:fontRef idx="minor">
+        <a:schemeClr val="lt1"/>
+      </a:fontRef>
+    </dgm:style>
+  </dgm:styleLbl>
+  <dgm:styleLbl name="fgSibTrans2D1">
+    <dgm:scene3d>
+      <a:camera prst="orthographicFront"/>
+      <a:lightRig rig="threePt" dir="t"/>
+    </dgm:scene3d>
+    <dgm:sp3d/>
+    <dgm:txPr/>
+    <dgm:style>
+      <a:lnRef idx="0">
+        <a:scrgbClr r="0" g="0" b="0"/>
+      </a:lnRef>
+      <a:fillRef idx="1">
+        <a:scrgbClr r="0" g="0" b="0"/>
+      </a:fillRef>
+      <a:effectRef idx="0">
+        <a:scrgbClr r="0" g="0" b="0"/>
+      </a:effectRef>
+      <a:fontRef idx="minor">
+        <a:schemeClr val="lt1"/>
+      </a:fontRef>
+    </dgm:style>
+  </dgm:styleLbl>
+  <dgm:styleLbl name="bgSibTrans2D1">
+    <dgm:scene3d>
+      <a:camera prst="orthographicFront"/>
+      <a:lightRig rig="threePt" dir="t"/>
+    </dgm:scene3d>
+    <dgm:sp3d/>
+    <dgm:txPr/>
+    <dgm:style>
+      <a:lnRef idx="0">
+        <a:scrgbClr r="0" g="0" b="0"/>
+      </a:lnRef>
+      <a:fillRef idx="1">
+        <a:scrgbClr r="0" g="0" b="0"/>
+      </a:fillRef>
+      <a:effectRef idx="0">
+        <a:scrgbClr r="0" g="0" b="0"/>
+      </a:effectRef>
+      <a:fontRef idx="minor">
+        <a:schemeClr val="lt1"/>
+      </a:fontRef>
+    </dgm:style>
+  </dgm:styleLbl>
+  <dgm:styleLbl name="sibTrans1D1">
+    <dgm:scene3d>
+      <a:camera prst="orthographicFront"/>
+      <a:lightRig rig="threePt" dir="t"/>
+    </dgm:scene3d>
+    <dgm:sp3d/>
+    <dgm:txPr/>
+    <dgm:style>
+      <a:lnRef idx="1">
+        <a:scrgbClr r="0" g="0" b="0"/>
+      </a:lnRef>
+      <a:fillRef idx="0">
+        <a:scrgbClr r="0" g="0" b="0"/>
+      </a:fillRef>
+      <a:effectRef idx="0">
+        <a:scrgbClr r="0" g="0" b="0"/>
+      </a:effectRef>
+      <a:fontRef idx="minor"/>
+    </dgm:style>
+  </dgm:styleLbl>
+  <dgm:styleLbl name="callout">
+    <dgm:scene3d>
+      <a:camera prst="orthographicFront"/>
+      <a:lightRig rig="threePt" dir="t"/>
+    </dgm:scene3d>
+    <dgm:sp3d/>
+    <dgm:txPr/>
+    <dgm:style>
+      <a:lnRef idx="2">
+        <a:scrgbClr r="0" g="0" b="0"/>
+      </a:lnRef>
+      <a:fillRef idx="1">
+        <a:scrgbClr r="0" g="0" b="0"/>
+      </a:fillRef>
+      <a:effectRef idx="0">
+        <a:scrgbClr r="0" g="0" b="0"/>
+      </a:effectRef>
+      <a:fontRef idx="minor"/>
+    </dgm:style>
+  </dgm:styleLbl>
+  <dgm:styleLbl name="asst0">
+    <dgm:scene3d>
+      <a:camera prst="orthographicFront"/>
+      <a:lightRig rig="threePt" dir="t"/>
+    </dgm:scene3d>
+    <dgm:sp3d/>
+    <dgm:txPr/>
+    <dgm:style>
+      <a:lnRef idx="2">
+        <a:scrgbClr r="0" g="0" b="0"/>
+      </a:lnRef>
+      <a:fillRef idx="1">
+        <a:scrgbClr r="0" g="0" b="0"/>
+      </a:fillRef>
+      <a:effectRef idx="0">
+        <a:scrgbClr r="0" g="0" b="0"/>
+      </a:effectRef>
+      <a:fontRef idx="minor">
+        <a:schemeClr val="lt1"/>
+      </a:fontRef>
+    </dgm:style>
+  </dgm:styleLbl>
+  <dgm:styleLbl name="asst1">
+    <dgm:scene3d>
+      <a:camera prst="orthographicFront"/>
+      <a:lightRig rig="threePt" dir="t"/>
+    </dgm:scene3d>
+    <dgm:sp3d/>
+    <dgm:txPr/>
+    <dgm:style>
+      <a:lnRef idx="2">
+        <a:scrgbClr r="0" g="0" b="0"/>
+      </a:lnRef>
+      <a:fillRef idx="1">
+        <a:scrgbClr r="0" g="0" b="0"/>
+      </a:fillRef>
+      <a:effectRef idx="0">
+        <a:scrgbClr r="0" g="0" b="0"/>
+      </a:effectRef>
+      <a:fontRef idx="minor">
+        <a:schemeClr val="lt1"/>
+      </a:fontRef>
+    </dgm:style>
+  </dgm:styleLbl>
+  <dgm:styleLbl name="asst2">
+    <dgm:scene3d>
+      <a:camera prst="orthographicFront"/>
+      <a:lightRig rig="threePt" dir="t"/>
+    </dgm:scene3d>
+    <dgm:sp3d/>
+    <dgm:txPr/>
+    <dgm:style>
+      <a:lnRef idx="2">
+        <a:scrgbClr r="0" g="0" b="0"/>
+      </a:lnRef>
+      <a:fillRef idx="1">
+        <a:scrgbClr r="0" g="0" b="0"/>
+      </a:fillRef>
+      <a:effectRef idx="0">
+        <a:scrgbClr r="0" g="0" b="0"/>
+      </a:effectRef>
+      <a:fontRef idx="minor">
+        <a:schemeClr val="lt1"/>
+      </a:fontRef>
+    </dgm:style>
+  </dgm:styleLbl>
+  <dgm:styleLbl name="asst3">
+    <dgm:scene3d>
+      <a:camera prst="orthographicFront"/>
+      <a:lightRig rig="threePt" dir="t"/>
+    </dgm:scene3d>
+    <dgm:sp3d/>
+    <dgm:txPr/>
+    <dgm:style>
+      <a:lnRef idx="2">
+        <a:scrgbClr r="0" g="0" b="0"/>
+      </a:lnRef>
+      <a:fillRef idx="1">
+        <a:scrgbClr r="0" g="0" b="0"/>
+      </a:fillRef>
+      <a:effectRef idx="0">
+        <a:scrgbClr r="0" g="0" b="0"/>
+      </a:effectRef>
+      <a:fontRef idx="minor">
+        <a:schemeClr val="lt1"/>
+      </a:fontRef>
+    </dgm:style>
+  </dgm:styleLbl>
+  <dgm:styleLbl name="asst4">
+    <dgm:scene3d>
+      <a:camera prst="orthographicFront"/>
+      <a:lightRig rig="threePt" dir="t"/>
+    </dgm:scene3d>
+    <dgm:sp3d/>
+    <dgm:txPr/>
+    <dgm:style>
+      <a:lnRef idx="2">
+        <a:scrgbClr r="0" g="0" b="0"/>
+      </a:lnRef>
+      <a:fillRef idx="1">
+        <a:scrgbClr r="0" g="0" b="0"/>
+      </a:fillRef>
+      <a:effectRef idx="0">
+        <a:scrgbClr r="0" g="0" b="0"/>
+      </a:effectRef>
+      <a:fontRef idx="minor">
+        <a:schemeClr val="lt1"/>
+      </a:fontRef>
+    </dgm:style>
+  </dgm:styleLbl>
+  <dgm:styleLbl name="parChTrans2D1">
+    <dgm:scene3d>
+      <a:camera prst="orthographicFront"/>
+      <a:lightRig rig="threePt" dir="t"/>
+    </dgm:scene3d>
+    <dgm:sp3d/>
+    <dgm:txPr/>
+    <dgm:style>
+      <a:lnRef idx="2">
+        <a:scrgbClr r="0" g="0" b="0"/>
+      </a:lnRef>
+      <a:fillRef idx="1">
+        <a:scrgbClr r="0" g="0" b="0"/>
+      </a:fillRef>
+      <a:effectRef idx="0">
+        <a:scrgbClr r="0" g="0" b="0"/>
+      </a:effectRef>
+      <a:fontRef idx="minor">
+        <a:schemeClr val="lt1"/>
+      </a:fontRef>
+    </dgm:style>
+  </dgm:styleLbl>
+  <dgm:styleLbl name="parChTrans2D2">
+    <dgm:scene3d>
+      <a:camera prst="orthographicFront"/>
+      <a:lightRig rig="threePt" dir="t"/>
+    </dgm:scene3d>
+    <dgm:sp3d/>
+    <dgm:txPr/>
+    <dgm:style>
+      <a:lnRef idx="2">
+        <a:scrgbClr r="0" g="0" b="0"/>
+      </a:lnRef>
+      <a:fillRef idx="1">
+        <a:scrgbClr r="0" g="0" b="0"/>
+      </a:fillRef>
+      <a:effectRef idx="0">
+        <a:scrgbClr r="0" g="0" b="0"/>
+      </a:effectRef>
+      <a:fontRef idx="minor">
+        <a:schemeClr val="lt1"/>
+      </a:fontRef>
+    </dgm:style>
+  </dgm:styleLbl>
+  <dgm:styleLbl name="parChTrans2D3">
+    <dgm:scene3d>
+      <a:camera prst="orthographicFront"/>
+      <a:lightRig rig="threePt" dir="t"/>
+    </dgm:scene3d>
+    <dgm:sp3d/>
+    <dgm:txPr/>
+    <dgm:style>
+      <a:lnRef idx="2">
+        <a:scrgbClr r="0" g="0" b="0"/>
+      </a:lnRef>
+      <a:fillRef idx="1">
+        <a:scrgbClr r="0" g="0" b="0"/>
+      </a:fillRef>
+      <a:effectRef idx="0">
+        <a:scrgbClr r="0" g="0" b="0"/>
+      </a:effectRef>
+      <a:fontRef idx="minor">
+        <a:schemeClr val="lt1"/>
+      </a:fontRef>
+    </dgm:style>
+  </dgm:styleLbl>
+  <dgm:styleLbl name="parChTrans2D4">
+    <dgm:scene3d>
+      <a:camera prst="orthographicFront"/>
+      <a:lightRig rig="threePt" dir="t"/>
+    </dgm:scene3d>
+    <dgm:sp3d/>
+    <dgm:txPr/>
+    <dgm:style>
+      <a:lnRef idx="2">
+        <a:scrgbClr r="0" g="0" b="0"/>
+      </a:lnRef>
+      <a:fillRef idx="1">
+        <a:scrgbClr r="0" g="0" b="0"/>
+      </a:fillRef>
+      <a:effectRef idx="0">
+        <a:scrgbClr r="0" g="0" b="0"/>
+      </a:effectRef>
+      <a:fontRef idx="minor">
+        <a:schemeClr val="lt1"/>
+      </a:fontRef>
+    </dgm:style>
+  </dgm:styleLbl>
+  <dgm:styleLbl name="parChTrans1D1">
+    <dgm:scene3d>
+      <a:camera prst="orthographicFront"/>
+      <a:lightRig rig="threePt" dir="t"/>
+    </dgm:scene3d>
+    <dgm:sp3d/>
+    <dgm:txPr/>
+    <dgm:style>
+      <a:lnRef idx="2">
+        <a:scrgbClr r="0" g="0" b="0"/>
+      </a:lnRef>
+      <a:fillRef idx="0">
+        <a:scrgbClr r="0" g="0" b="0"/>
+      </a:fillRef>
+      <a:effectRef idx="0">
+        <a:scrgbClr r="0" g="0" b="0"/>
+      </a:effectRef>
+      <a:fontRef idx="minor"/>
+    </dgm:style>
+  </dgm:styleLbl>
+  <dgm:styleLbl name="parChTrans1D2">
+    <dgm:scene3d>
+      <a:camera prst="orthographicFront"/>
+      <a:lightRig rig="threePt" dir="t"/>
+    </dgm:scene3d>
+    <dgm:sp3d/>
+    <dgm:txPr/>
+    <dgm:style>
+      <a:lnRef idx="2">
+        <a:scrgbClr r="0" g="0" b="0"/>
+      </a:lnRef>
+      <a:fillRef idx="0">
+        <a:scrgbClr r="0" g="0" b="0"/>
+      </a:fillRef>
+      <a:effectRef idx="0">
+        <a:scrgbClr r="0" g="0" b="0"/>
+      </a:effectRef>
+      <a:fontRef idx="minor"/>
+    </dgm:style>
+  </dgm:styleLbl>
+  <dgm:styleLbl name="parChTrans1D3">
+    <dgm:scene3d>
+      <a:camera prst="orthographicFront"/>
+      <a:lightRig rig="threePt" dir="t"/>
+    </dgm:scene3d>
+    <dgm:sp3d/>
+    <dgm:txPr/>
+    <dgm:style>
+      <a:lnRef idx="2">
+        <a:scrgbClr r="0" g="0" b="0"/>
+      </a:lnRef>
+      <a:fillRef idx="0">
+        <a:scrgbClr r="0" g="0" b="0"/>
+      </a:fillRef>
+      <a:effectRef idx="0">
+        <a:scrgbClr r="0" g="0" b="0"/>
+      </a:effectRef>
+      <a:fontRef idx="minor"/>
+    </dgm:style>
+  </dgm:styleLbl>
+  <dgm:styleLbl name="parChTrans1D4">
+    <dgm:scene3d>
+      <a:camera prst="orthographicFront"/>
+      <a:lightRig rig="threePt" dir="t"/>
+    </dgm:scene3d>
+    <dgm:sp3d/>
+    <dgm:txPr/>
+    <dgm:style>
+      <a:lnRef idx="2">
+        <a:scrgbClr r="0" g="0" b="0"/>
+      </a:lnRef>
+      <a:fillRef idx="0">
+        <a:scrgbClr r="0" g="0" b="0"/>
+      </a:fillRef>
+      <a:effectRef idx="0">
+        <a:scrgbClr r="0" g="0" b="0"/>
+      </a:effectRef>
+      <a:fontRef idx="minor"/>
+    </dgm:style>
+  </dgm:styleLbl>
+  <dgm:styleLbl name="fgAcc1">
+    <dgm:scene3d>
+      <a:camera prst="orthographicFront"/>
+      <a:lightRig rig="threePt" dir="t"/>
+    </dgm:scene3d>
+    <dgm:sp3d/>
+    <dgm:txPr/>
+    <dgm:style>
+      <a:lnRef idx="2">
+        <a:scrgbClr r="0" g="0" b="0"/>
+      </a:lnRef>
+      <a:fillRef idx="1">
+        <a:scrgbClr r="0" g="0" b="0"/>
+      </a:fillRef>
+      <a:effectRef idx="0">
+        <a:scrgbClr r="0" g="0" b="0"/>
+      </a:effectRef>
+      <a:fontRef idx="minor"/>
+    </dgm:style>
+  </dgm:styleLbl>
+  <dgm:styleLbl name="conFgAcc1">
+    <dgm:scene3d>
+      <a:camera prst="orthographicFront"/>
+      <a:lightRig rig="threePt" dir="t"/>
+    </dgm:scene3d>
+    <dgm:sp3d/>
+    <dgm:txPr/>
+    <dgm:style>
+      <a:lnRef idx="2">
+        <a:scrgbClr r="0" g="0" b="0"/>
+      </a:lnRef>
+      <a:fillRef idx="1">
+        <a:scrgbClr r="0" g="0" b="0"/>
+      </a:fillRef>
+      <a:effectRef idx="0">
+        <a:scrgbClr r="0" g="0" b="0"/>
+      </a:effectRef>
+      <a:fontRef idx="minor"/>
+    </dgm:style>
+  </dgm:styleLbl>
+  <dgm:styleLbl name="alignAcc1">
+    <dgm:scene3d>
+      <a:camera prst="orthographicFront"/>
+      <a:lightRig rig="threePt" dir="t"/>
+    </dgm:scene3d>
+    <dgm:sp3d/>
+    <dgm:txPr/>
+    <dgm:style>
+      <a:lnRef idx="2">
+        <a:scrgbClr r="0" g="0" b="0"/>
+      </a:lnRef>
+      <a:fillRef idx="1">
+        <a:scrgbClr r="0" g="0" b="0"/>
+      </a:fillRef>
+      <a:effectRef idx="0">
+        <a:scrgbClr r="0" g="0" b="0"/>
+      </a:effectRef>
+      <a:fontRef idx="minor"/>
+    </dgm:style>
+  </dgm:styleLbl>
+  <dgm:styleLbl name="trAlignAcc1">
+    <dgm:scene3d>
+      <a:camera prst="orthographicFront"/>
+      <a:lightRig rig="threePt" dir="t"/>
+    </dgm:scene3d>
+    <dgm:sp3d/>
+    <dgm:txPr/>
+    <dgm:style>
+      <a:lnRef idx="1">
+        <a:scrgbClr r="0" g="0" b="0"/>
+      </a:lnRef>
+      <a:fillRef idx="1">
+        <a:scrgbClr r="0" g="0" b="0"/>
+      </a:fillRef>
+      <a:effectRef idx="0">
+        <a:scrgbClr r="0" g="0" b="0"/>
+      </a:effectRef>
+      <a:fontRef idx="minor"/>
+    </dgm:style>
+  </dgm:styleLbl>
+  <dgm:styleLbl name="bgAcc1">
+    <dgm:scene3d>
+      <a:camera prst="orthographicFront"/>
+      <a:lightRig rig="threePt" dir="t"/>
+    </dgm:scene3d>
+    <dgm:sp3d/>
+    <dgm:txPr/>
+    <dgm:style>
+      <a:lnRef idx="2">
+        <a:scrgbClr r="0" g="0" b="0"/>
+      </a:lnRef>
+      <a:fillRef idx="1">
+        <a:scrgbClr r="0" g="0" b="0"/>
+      </a:fillRef>
+      <a:effectRef idx="0">
+        <a:scrgbClr r="0" g="0" b="0"/>
+      </a:effectRef>
+      <a:fontRef idx="minor"/>
+    </dgm:style>
+  </dgm:styleLbl>
+  <dgm:styleLbl name="solidFgAcc1">
+    <dgm:scene3d>
+      <a:camera prst="orthographicFront"/>
+      <a:lightRig rig="threePt" dir="t"/>
+    </dgm:scene3d>
+    <dgm:sp3d/>
+    <dgm:txPr/>
+    <dgm:style>
+      <a:lnRef idx="2">
+        <a:scrgbClr r="0" g="0" b="0"/>
+      </a:lnRef>
+      <a:fillRef idx="1">
+        <a:scrgbClr r="0" g="0" b="0"/>
+      </a:fillRef>
+      <a:effectRef idx="0">
+        <a:scrgbClr r="0" g="0" b="0"/>
+      </a:effectRef>
+      <a:fontRef idx="minor"/>
+    </dgm:style>
+  </dgm:styleLbl>
+  <dgm:styleLbl name="solidAlignAcc1">
+    <dgm:scene3d>
+      <a:camera prst="orthographicFront"/>
+      <a:lightRig rig="threePt" dir="t"/>
+    </dgm:scene3d>
+    <dgm:sp3d/>
+    <dgm:txPr/>
+    <dgm:style>
+      <a:lnRef idx="2">
+        <a:scrgbClr r="0" g="0" b="0"/>
+      </a:lnRef>
+      <a:fillRef idx="1">
+        <a:scrgbClr r="0" g="0" b="0"/>
+      </a:fillRef>
+      <a:effectRef idx="0">
+        <a:scrgbClr r="0" g="0" b="0"/>
+      </a:effectRef>
+      <a:fontRef idx="minor"/>
+    </dgm:style>
+  </dgm:styleLbl>
+  <dgm:styleLbl name="solidBgAcc1">
+    <dgm:scene3d>
+      <a:camera prst="orthographicFront"/>
+      <a:lightRig rig="threePt" dir="t"/>
+    </dgm:scene3d>
+    <dgm:sp3d/>
+    <dgm:txPr/>
+    <dgm:style>
+      <a:lnRef idx="2">
+        <a:scrgbClr r="0" g="0" b="0"/>
+      </a:lnRef>
+      <a:fillRef idx="1">
+        <a:scrgbClr r="0" g="0" b="0"/>
+      </a:fillRef>
+      <a:effectRef idx="0">
+        <a:scrgbClr r="0" g="0" b="0"/>
+      </a:effectRef>
+      <a:fontRef idx="minor"/>
+    </dgm:style>
+  </dgm:styleLbl>
+  <dgm:styleLbl name="fgAccFollowNode1">
+    <dgm:scene3d>
+      <a:camera prst="orthographicFront"/>
+      <a:lightRig rig="threePt" dir="t"/>
+    </dgm:scene3d>
+    <dgm:sp3d/>
+    <dgm:txPr/>
+    <dgm:style>
+      <a:lnRef idx="2">
+        <a:scrgbClr r="0" g="0" b="0"/>
+      </a:lnRef>
+      <a:fillRef idx="1">
+        <a:scrgbClr r="0" g="0" b="0"/>
+      </a:fillRef>
+      <a:effectRef idx="0">
+        <a:scrgbClr r="0" g="0" b="0"/>
+      </a:effectRef>
+      <a:fontRef idx="minor"/>
+    </dgm:style>
+  </dgm:styleLbl>
+  <dgm:styleLbl name="alignAccFollowNode1">
+    <dgm:scene3d>
+      <a:camera prst="orthographicFront"/>
+      <a:lightRig rig="threePt" dir="t"/>
+    </dgm:scene3d>
+    <dgm:sp3d/>
+    <dgm:txPr/>
+    <dgm:style>
+      <a:lnRef idx="2">
+        <a:scrgbClr r="0" g="0" b="0"/>
+      </a:lnRef>
+      <a:fillRef idx="1">
+        <a:scrgbClr r="0" g="0" b="0"/>
+      </a:fillRef>
+      <a:effectRef idx="0">
+        <a:scrgbClr r="0" g="0" b="0"/>
+      </a:effectRef>
+      <a:fontRef idx="minor"/>
+    </dgm:style>
+  </dgm:styleLbl>
+  <dgm:styleLbl name="bgAccFollowNode1">
+    <dgm:scene3d>
+      <a:camera prst="orthographicFront"/>
+      <a:lightRig rig="threePt" dir="t"/>
+    </dgm:scene3d>
+    <dgm:sp3d/>
+    <dgm:txPr/>
+    <dgm:style>
+      <a:lnRef idx="2">
+        <a:scrgbClr r="0" g="0" b="0"/>
+      </a:lnRef>
+      <a:fillRef idx="1">
+        <a:scrgbClr r="0" g="0" b="0"/>
+      </a:fillRef>
+      <a:effectRef idx="0">
+        <a:scrgbClr r="0" g="0" b="0"/>
+      </a:effectRef>
+      <a:fontRef idx="minor"/>
+    </dgm:style>
+  </dgm:styleLbl>
+  <dgm:styleLbl name="fgAcc0">
+    <dgm:scene3d>
+      <a:camera prst="orthographicFront"/>
+      <a:lightRig rig="threePt" dir="t"/>
+    </dgm:scene3d>
+    <dgm:sp3d/>
+    <dgm:txPr/>
+    <dgm:style>
+      <a:lnRef idx="2">
+        <a:scrgbClr r="0" g="0" b="0"/>
+      </a:lnRef>
+      <a:fillRef idx="1">
+        <a:scrgbClr r="0" g="0" b="0"/>
+      </a:fillRef>
+      <a:effectRef idx="0">
+        <a:scrgbClr r="0" g="0" b="0"/>
+      </a:effectRef>
+      <a:fontRef idx="minor"/>
+    </dgm:style>
+  </dgm:styleLbl>
+  <dgm:styleLbl name="fgAcc2">
+    <dgm:scene3d>
+      <a:camera prst="orthographicFront"/>
+      <a:lightRig rig="threePt" dir="t"/>
+    </dgm:scene3d>
+    <dgm:sp3d/>
+    <dgm:txPr/>
+    <dgm:style>
+      <a:lnRef idx="2">
+        <a:scrgbClr r="0" g="0" b="0"/>
+      </a:lnRef>
+      <a:fillRef idx="1">
+        <a:scrgbClr r="0" g="0" b="0"/>
+      </a:fillRef>
+      <a:effectRef idx="0">
+        <a:scrgbClr r="0" g="0" b="0"/>
+      </a:effectRef>
+      <a:fontRef idx="minor"/>
+    </dgm:style>
+  </dgm:styleLbl>
+  <dgm:styleLbl name="fgAcc3">
+    <dgm:scene3d>
+      <a:camera prst="orthographicFront"/>
+      <a:lightRig rig="threePt" dir="t"/>
+    </dgm:scene3d>
+    <dgm:sp3d/>
+    <dgm:txPr/>
+    <dgm:style>
+      <a:lnRef idx="2">
+        <a:scrgbClr r="0" g="0" b="0"/>
+      </a:lnRef>
+      <a:fillRef idx="1">
+        <a:scrgbClr r="0" g="0" b="0"/>
+      </a:fillRef>
+      <a:effectRef idx="0">
+        <a:scrgbClr r="0" g="0" b="0"/>
+      </a:effectRef>
+      <a:fontRef idx="minor"/>
+    </dgm:style>
+  </dgm:styleLbl>
+  <dgm:styleLbl name="fgAcc4">
+    <dgm:scene3d>
+      <a:camera prst="orthographicFront"/>
+      <a:lightRig rig="threePt" dir="t"/>
+    </dgm:scene3d>
+    <dgm:sp3d/>
+    <dgm:txPr/>
+    <dgm:style>
+      <a:lnRef idx="2">
+        <a:scrgbClr r="0" g="0" b="0"/>
+      </a:lnRef>
+      <a:fillRef idx="1">
+        <a:scrgbClr r="0" g="0" b="0"/>
+      </a:fillRef>
+      <a:effectRef idx="0">
+        <a:scrgbClr r="0" g="0" b="0"/>
+      </a:effectRef>
+      <a:fontRef idx="minor"/>
+    </dgm:style>
+  </dgm:styleLbl>
+  <dgm:styleLbl name="bgShp">
+    <dgm:scene3d>
+      <a:camera prst="orthographicFront"/>
+      <a:lightRig rig="threePt" dir="t"/>
+    </dgm:scene3d>
+    <dgm:sp3d/>
+    <dgm:txPr/>
+    <dgm:style>
+      <a:lnRef idx="0">
+        <a:scrgbClr r="0" g="0" b="0"/>
+      </a:lnRef>
+      <a:fillRef idx="1">
+        <a:scrgbClr r="0" g="0" b="0"/>
+      </a:fillRef>
+      <a:effectRef idx="0">
+        <a:scrgbClr r="0" g="0" b="0"/>
+      </a:effectRef>
+      <a:fontRef idx="minor"/>
+    </dgm:style>
+  </dgm:styleLbl>
+  <dgm:styleLbl name="dkBgShp">
+    <dgm:scene3d>
+      <a:camera prst="orthographicFront"/>
+      <a:lightRig rig="threePt" dir="t"/>
+    </dgm:scene3d>
+    <dgm:sp3d/>
+    <dgm:txPr/>
+    <dgm:style>
+      <a:lnRef idx="0">
+        <a:scrgbClr r="0" g="0" b="0"/>
+      </a:lnRef>
+      <a:fillRef idx="1">
+        <a:scrgbClr r="0" g="0" b="0"/>
+      </a:fillRef>
+      <a:effectRef idx="0">
+        <a:scrgbClr r="0" g="0" b="0"/>
+      </a:effectRef>
+      <a:fontRef idx="minor"/>
+    </dgm:style>
+  </dgm:styleLbl>
+  <dgm:styleLbl name="trBgShp">
+    <dgm:scene3d>
+      <a:camera prst="orthographicFront"/>
+      <a:lightRig rig="threePt" dir="t"/>
+    </dgm:scene3d>
+    <dgm:sp3d/>
+    <dgm:txPr/>
+    <dgm:style>
+      <a:lnRef idx="0">
+        <a:scrgbClr r="0" g="0" b="0"/>
+      </a:lnRef>
+      <a:fillRef idx="1">
+        <a:scrgbClr r="0" g="0" b="0"/>
+      </a:fillRef>
+      <a:effectRef idx="0">
+        <a:scrgbClr r="0" g="0" b="0"/>
+      </a:effectRef>
+      <a:fontRef idx="minor"/>
+    </dgm:style>
+  </dgm:styleLbl>
+  <dgm:styleLbl name="fgShp">
+    <dgm:scene3d>
+      <a:camera prst="orthographicFront"/>
+      <a:lightRig rig="threePt" dir="t"/>
+    </dgm:scene3d>
+    <dgm:sp3d/>
+    <dgm:txPr/>
+    <dgm:style>
+      <a:lnRef idx="2">
+        <a:scrgbClr r="0" g="0" b="0"/>
+      </a:lnRef>
+      <a:fillRef idx="1">
+        <a:scrgbClr r="0" g="0" b="0"/>
+      </a:fillRef>
+      <a:effectRef idx="0">
+        <a:scrgbClr r="0" g="0" b="0"/>
+      </a:effectRef>
+      <a:fontRef idx="minor"/>
+    </dgm:style>
+  </dgm:styleLbl>
+  <dgm:styleLbl name="revTx">
+    <dgm:scene3d>
+      <a:camera prst="orthographicFront"/>
+      <a:lightRig rig="threePt" dir="t"/>
+    </dgm:scene3d>
+    <dgm:sp3d/>
+    <dgm:txPr/>
+    <dgm:style>
+      <a:lnRef idx="0">
+        <a:scrgbClr r="0" g="0" b="0"/>
+      </a:lnRef>
+      <a:fillRef idx="0">
+        <a:scrgbClr r="0" g="0" b="0"/>
+      </a:fillRef>
+      <a:effectRef idx="0">
+        <a:scrgbClr r="0" g="0" b="0"/>
+      </a:effectRef>
+      <a:fontRef idx="minor"/>
+    </dgm:style>
+  </dgm:styleLbl>
+</dgm:styleDef>
+</file>
+
+<file path=ppt/diagrams/quickStyle3.xml><?xml version="1.0" encoding="utf-8"?>
 <dgm:styleDef xmlns:dgm="http://schemas.openxmlformats.org/drawingml/2006/diagram" xmlns:a="http://schemas.openxmlformats.org/drawingml/2006/main" uniqueId="urn:microsoft.com/office/officeart/2005/8/quickstyle/simple1">
   <dgm:title val=""/>
   <dgm:desc val=""/>
@@ -5271,7 +8174,7 @@
           <a:p>
             <a:fld id="{619902D1-30EF-4102-BB65-0D602C56F582}" type="datetimeFigureOut">
               <a:rPr lang="en-MY" smtClean="0"/>
-              <a:t>8/12/2019</a:t>
+              <a:t>9/12/2019</a:t>
             </a:fld>
             <a:endParaRPr lang="en-MY"/>
           </a:p>
@@ -5441,7 +8344,7 @@
           <a:p>
             <a:fld id="{619902D1-30EF-4102-BB65-0D602C56F582}" type="datetimeFigureOut">
               <a:rPr lang="en-MY" smtClean="0"/>
-              <a:t>8/12/2019</a:t>
+              <a:t>9/12/2019</a:t>
             </a:fld>
             <a:endParaRPr lang="en-MY"/>
           </a:p>
@@ -5621,7 +8524,7 @@
           <a:p>
             <a:fld id="{619902D1-30EF-4102-BB65-0D602C56F582}" type="datetimeFigureOut">
               <a:rPr lang="en-MY" smtClean="0"/>
-              <a:t>8/12/2019</a:t>
+              <a:t>9/12/2019</a:t>
             </a:fld>
             <a:endParaRPr lang="en-MY"/>
           </a:p>
@@ -5791,7 +8694,7 @@
           <a:p>
             <a:fld id="{619902D1-30EF-4102-BB65-0D602C56F582}" type="datetimeFigureOut">
               <a:rPr lang="en-MY" smtClean="0"/>
-              <a:t>8/12/2019</a:t>
+              <a:t>9/12/2019</a:t>
             </a:fld>
             <a:endParaRPr lang="en-MY"/>
           </a:p>
@@ -6059,7 +8962,7 @@
           <a:p>
             <a:fld id="{619902D1-30EF-4102-BB65-0D602C56F582}" type="datetimeFigureOut">
               <a:rPr lang="en-MY" smtClean="0"/>
-              <a:t>8/12/2019</a:t>
+              <a:t>9/12/2019</a:t>
             </a:fld>
             <a:endParaRPr lang="en-MY"/>
           </a:p>
@@ -6291,7 +9194,7 @@
           <a:p>
             <a:fld id="{619902D1-30EF-4102-BB65-0D602C56F582}" type="datetimeFigureOut">
               <a:rPr lang="en-MY" smtClean="0"/>
-              <a:t>8/12/2019</a:t>
+              <a:t>9/12/2019</a:t>
             </a:fld>
             <a:endParaRPr lang="en-MY"/>
           </a:p>
@@ -6650,7 +9553,7 @@
           <a:p>
             <a:fld id="{619902D1-30EF-4102-BB65-0D602C56F582}" type="datetimeFigureOut">
               <a:rPr lang="en-MY" smtClean="0"/>
-              <a:t>8/12/2019</a:t>
+              <a:t>9/12/2019</a:t>
             </a:fld>
             <a:endParaRPr lang="en-MY"/>
           </a:p>
@@ -6791,7 +9694,7 @@
           <a:p>
             <a:fld id="{619902D1-30EF-4102-BB65-0D602C56F582}" type="datetimeFigureOut">
               <a:rPr lang="en-MY" smtClean="0"/>
-              <a:t>8/12/2019</a:t>
+              <a:t>9/12/2019</a:t>
             </a:fld>
             <a:endParaRPr lang="en-MY"/>
           </a:p>
@@ -6886,7 +9789,7 @@
           <a:p>
             <a:fld id="{619902D1-30EF-4102-BB65-0D602C56F582}" type="datetimeFigureOut">
               <a:rPr lang="en-MY" smtClean="0"/>
-              <a:t>8/12/2019</a:t>
+              <a:t>9/12/2019</a:t>
             </a:fld>
             <a:endParaRPr lang="en-MY"/>
           </a:p>
@@ -7243,7 +10146,7 @@
           <a:p>
             <a:fld id="{619902D1-30EF-4102-BB65-0D602C56F582}" type="datetimeFigureOut">
               <a:rPr lang="en-MY" smtClean="0"/>
-              <a:t>8/12/2019</a:t>
+              <a:t>9/12/2019</a:t>
             </a:fld>
             <a:endParaRPr lang="en-MY"/>
           </a:p>
@@ -7600,7 +10503,7 @@
           <a:p>
             <a:fld id="{619902D1-30EF-4102-BB65-0D602C56F582}" type="datetimeFigureOut">
               <a:rPr lang="en-MY" smtClean="0"/>
-              <a:t>8/12/2019</a:t>
+              <a:t>9/12/2019</a:t>
             </a:fld>
             <a:endParaRPr lang="en-MY"/>
           </a:p>
@@ -7841,7 +10744,7 @@
           <a:p>
             <a:fld id="{619902D1-30EF-4102-BB65-0D602C56F582}" type="datetimeFigureOut">
               <a:rPr lang="en-MY" smtClean="0"/>
-              <a:t>8/12/2019</a:t>
+              <a:t>9/12/2019</a:t>
             </a:fld>
             <a:endParaRPr lang="en-MY"/>
           </a:p>
@@ -8344,8 +11247,21 @@
                   <a:schemeClr val="bg1"/>
                 </a:solidFill>
               </a:rPr>
-              <a:t>Name: 	Yap Wing Chun C17000</a:t>
+              <a:t>Name: 	Yap Wing Chun </a:t>
             </a:r>
+            <a:r>
+              <a:rPr lang="en-US" dirty="0" smtClean="0">
+                <a:solidFill>
+                  <a:schemeClr val="bg1"/>
+                </a:solidFill>
+              </a:rPr>
+              <a:t>C1700160</a:t>
+            </a:r>
+            <a:endParaRPr lang="en-US" dirty="0" smtClean="0">
+              <a:solidFill>
+                <a:schemeClr val="bg1"/>
+              </a:solidFill>
+            </a:endParaRPr>
           </a:p>
           <a:p>
             <a:pPr algn="l"/>
@@ -8382,12 +11298,20 @@
               <a:t>Ment</a:t>
             </a:r>
             <a:r>
-              <a:rPr lang="en-US" smtClean="0">
+              <a:rPr lang="en-US" dirty="0" smtClean="0">
                 <a:solidFill>
                   <a:schemeClr val="bg1"/>
                 </a:solidFill>
               </a:rPr>
-              <a:t> C17000</a:t>
+              <a:t> </a:t>
+            </a:r>
+            <a:r>
+              <a:rPr lang="en-US" dirty="0" smtClean="0">
+                <a:solidFill>
+                  <a:schemeClr val="bg1"/>
+                </a:solidFill>
+              </a:rPr>
+              <a:t>C1700084</a:t>
             </a:r>
             <a:endParaRPr lang="en-US" dirty="0" smtClean="0">
               <a:solidFill>
@@ -8489,7 +11413,15 @@
           <a:p>
             <a:r>
               <a:rPr lang="en-US" dirty="0" smtClean="0"/>
-              <a:t>Patient Monitoring System (PMS) is a monitoring system. It is used for monitoring physiological signals of humans including temperature, pulse rate, blood pressure and breathing rate.</a:t>
+              <a:t>Patient Monitoring System (PMS) is a monitoring system. It is used for monitoring physiological signals of humans including </a:t>
+            </a:r>
+            <a:r>
+              <a:rPr lang="en-US" dirty="0" smtClean="0">
+                <a:solidFill>
+                  <a:srgbClr val="FF0000"/>
+                </a:solidFill>
+              </a:rPr>
+              <a:t>temperature, pulse rate, blood pressure and breathing rate.</a:t>
             </a:r>
           </a:p>
           <a:p>
@@ -8501,9 +11433,21 @@
           <a:p>
             <a:r>
               <a:rPr lang="en-US" dirty="0" smtClean="0"/>
-              <a:t>In Patient Monitoring System, it divided into three parts which central station, bedside system and manager system.</a:t>
+              <a:t>In Patient Monitoring System, it divided into three parts which </a:t>
             </a:r>
-            <a:endParaRPr lang="en-MY" dirty="0"/>
+            <a:r>
+              <a:rPr lang="en-US" dirty="0" smtClean="0">
+                <a:solidFill>
+                  <a:srgbClr val="FF0000"/>
+                </a:solidFill>
+              </a:rPr>
+              <a:t>central station, bedside system and manager system.</a:t>
+            </a:r>
+            <a:endParaRPr lang="en-MY" dirty="0">
+              <a:solidFill>
+                <a:srgbClr val="FF0000"/>
+              </a:solidFill>
+            </a:endParaRPr>
           </a:p>
         </p:txBody>
       </p:sp>
@@ -8648,7 +11592,7 @@
             <p:ph idx="1"/>
             <p:extLst>
               <p:ext uri="{D42A27DB-BD31-4B8C-83A1-F6EECF244321}">
-                <p14:modId xmlns:p14="http://schemas.microsoft.com/office/powerpoint/2010/main" val="3179984032"/>
+                <p14:modId xmlns:p14="http://schemas.microsoft.com/office/powerpoint/2010/main" val="2439148192"/>
               </p:ext>
             </p:extLst>
           </p:nvPr>
@@ -8716,25 +11660,31 @@
           </a:p>
         </p:txBody>
       </p:sp>
-      <p:sp>
-        <p:nvSpPr>
-          <p:cNvPr id="3" name="Content Placeholder 2"/>
-          <p:cNvSpPr>
-            <a:spLocks noGrp="1"/>
-          </p:cNvSpPr>
+      <p:graphicFrame>
+        <p:nvGraphicFramePr>
+          <p:cNvPr id="4" name="Content Placeholder 3"/>
+          <p:cNvGraphicFramePr>
+            <a:graphicFrameLocks noGrp="1"/>
+          </p:cNvGraphicFramePr>
           <p:nvPr>
             <p:ph idx="1"/>
+            <p:extLst>
+              <p:ext uri="{D42A27DB-BD31-4B8C-83A1-F6EECF244321}">
+                <p14:modId xmlns:p14="http://schemas.microsoft.com/office/powerpoint/2010/main" val="1378966258"/>
+              </p:ext>
+            </p:extLst>
           </p:nvPr>
-        </p:nvSpPr>
-        <p:spPr/>
-        <p:txBody>
-          <a:bodyPr/>
-          <a:lstStyle/>
-          <a:p>
-            <a:endParaRPr lang="en-MY" dirty="0"/>
-          </a:p>
-        </p:txBody>
-      </p:sp>
+        </p:nvGraphicFramePr>
+        <p:xfrm>
+          <a:off x="2231136" y="2638044"/>
+          <a:ext cx="7729728" cy="3101983"/>
+        </p:xfrm>
+        <a:graphic>
+          <a:graphicData uri="http://schemas.openxmlformats.org/drawingml/2006/diagram">
+            <dgm:relIds xmlns:dgm="http://schemas.openxmlformats.org/drawingml/2006/diagram" xmlns:r="http://schemas.openxmlformats.org/officeDocument/2006/relationships" r:dm="rId2" r:lo="rId3" r:qs="rId4" r:cs="rId5"/>
+          </a:graphicData>
+        </a:graphic>
+      </p:graphicFrame>
     </p:spTree>
     <p:extLst>
       <p:ext uri="{BB962C8B-B14F-4D97-AF65-F5344CB8AC3E}">
@@ -8815,7 +11765,6 @@
               <a:rPr lang="en-MY" dirty="0"/>
               <a:t>. [online] Slideshare.net. Available at: https://www.slideshare.net/sunireddy7/patient-monitoring-system [Accessed 8 Dec. 2019].</a:t>
             </a:r>
-            <a:endParaRPr lang="en-MY" dirty="0"/>
           </a:p>
         </p:txBody>
       </p:sp>
